--- a/4. Routine/#.document/루틴_SB__20190823_1.2.pptx
+++ b/4. Routine/#.document/루틴_SB__20190823_1.2.pptx
@@ -919,7 +919,7 @@
           <p:cNvPr id="2" name="그룹 1">
             <a:extLst>
               <a:ext uri="{FF2B5EF4-FFF2-40B4-BE49-F238E27FC236}">
-                <a16:creationId xmlns:a16="http://schemas.microsoft.com/office/drawing/2014/main" xmlns="" id="{23ED1328-3B83-4D57-9436-4FF88BD4FD2F}"/>
+                <a16:creationId xmlns="" xmlns:a16="http://schemas.microsoft.com/office/drawing/2014/main" id="{23ED1328-3B83-4D57-9436-4FF88BD4FD2F}"/>
               </a:ext>
             </a:extLst>
           </p:cNvPr>
@@ -939,7 +939,7 @@
             <p:cNvPr id="49" name="직선 연결선 48">
               <a:extLst>
                 <a:ext uri="{FF2B5EF4-FFF2-40B4-BE49-F238E27FC236}">
-                  <a16:creationId xmlns:a16="http://schemas.microsoft.com/office/drawing/2014/main" xmlns="" id="{C53BEB5C-C5A4-4780-A622-98BE5EFE0395}"/>
+                  <a16:creationId xmlns="" xmlns:a16="http://schemas.microsoft.com/office/drawing/2014/main" id="{C53BEB5C-C5A4-4780-A622-98BE5EFE0395}"/>
                 </a:ext>
               </a:extLst>
             </p:cNvPr>
@@ -985,7 +985,7 @@
             <p:cNvPr id="50" name="직사각형 49">
               <a:extLst>
                 <a:ext uri="{FF2B5EF4-FFF2-40B4-BE49-F238E27FC236}">
-                  <a16:creationId xmlns:a16="http://schemas.microsoft.com/office/drawing/2014/main" xmlns="" id="{6F96527A-0AC2-45D7-98E6-57039FC6DB7C}"/>
+                  <a16:creationId xmlns="" xmlns:a16="http://schemas.microsoft.com/office/drawing/2014/main" id="{6F96527A-0AC2-45D7-98E6-57039FC6DB7C}"/>
                 </a:ext>
               </a:extLst>
             </p:cNvPr>
@@ -1043,7 +1043,7 @@
             <p:cNvPr id="51" name="직사각형 50">
               <a:extLst>
                 <a:ext uri="{FF2B5EF4-FFF2-40B4-BE49-F238E27FC236}">
-                  <a16:creationId xmlns:a16="http://schemas.microsoft.com/office/drawing/2014/main" xmlns="" id="{27B2A8E8-CC47-4143-A0E4-9CD28F266C9E}"/>
+                  <a16:creationId xmlns="" xmlns:a16="http://schemas.microsoft.com/office/drawing/2014/main" id="{27B2A8E8-CC47-4143-A0E4-9CD28F266C9E}"/>
                 </a:ext>
               </a:extLst>
             </p:cNvPr>
@@ -1101,7 +1101,7 @@
             <p:cNvPr id="52" name="직사각형 51">
               <a:extLst>
                 <a:ext uri="{FF2B5EF4-FFF2-40B4-BE49-F238E27FC236}">
-                  <a16:creationId xmlns:a16="http://schemas.microsoft.com/office/drawing/2014/main" xmlns="" id="{0A9CE5C3-E5AB-4DF8-90F6-90B9B4EFFDFE}"/>
+                  <a16:creationId xmlns="" xmlns:a16="http://schemas.microsoft.com/office/drawing/2014/main" id="{0A9CE5C3-E5AB-4DF8-90F6-90B9B4EFFDFE}"/>
                 </a:ext>
               </a:extLst>
             </p:cNvPr>
@@ -1159,7 +1159,7 @@
             <p:cNvPr id="53" name="직사각형 52">
               <a:extLst>
                 <a:ext uri="{FF2B5EF4-FFF2-40B4-BE49-F238E27FC236}">
-                  <a16:creationId xmlns:a16="http://schemas.microsoft.com/office/drawing/2014/main" xmlns="" id="{30483924-865E-46F7-A557-24A28AF8AA2E}"/>
+                  <a16:creationId xmlns="" xmlns:a16="http://schemas.microsoft.com/office/drawing/2014/main" id="{30483924-865E-46F7-A557-24A28AF8AA2E}"/>
                 </a:ext>
               </a:extLst>
             </p:cNvPr>
@@ -1217,7 +1217,7 @@
             <p:cNvPr id="54" name="직사각형 53">
               <a:extLst>
                 <a:ext uri="{FF2B5EF4-FFF2-40B4-BE49-F238E27FC236}">
-                  <a16:creationId xmlns:a16="http://schemas.microsoft.com/office/drawing/2014/main" xmlns="" id="{7866433F-D885-4F28-B381-A923EA55A85A}"/>
+                  <a16:creationId xmlns="" xmlns:a16="http://schemas.microsoft.com/office/drawing/2014/main" id="{7866433F-D885-4F28-B381-A923EA55A85A}"/>
                 </a:ext>
               </a:extLst>
             </p:cNvPr>
@@ -1275,7 +1275,7 @@
             <p:cNvPr id="55" name="직사각형 54">
               <a:extLst>
                 <a:ext uri="{FF2B5EF4-FFF2-40B4-BE49-F238E27FC236}">
-                  <a16:creationId xmlns:a16="http://schemas.microsoft.com/office/drawing/2014/main" xmlns="" id="{0B617623-F5AF-41C2-A095-5FC4E64DA48C}"/>
+                  <a16:creationId xmlns="" xmlns:a16="http://schemas.microsoft.com/office/drawing/2014/main" id="{0B617623-F5AF-41C2-A095-5FC4E64DA48C}"/>
                 </a:ext>
               </a:extLst>
             </p:cNvPr>
@@ -1333,7 +1333,7 @@
             <p:cNvPr id="56" name="직사각형 55">
               <a:extLst>
                 <a:ext uri="{FF2B5EF4-FFF2-40B4-BE49-F238E27FC236}">
-                  <a16:creationId xmlns:a16="http://schemas.microsoft.com/office/drawing/2014/main" xmlns="" id="{F63950F3-C2C5-42A9-8336-0543C021DAAF}"/>
+                  <a16:creationId xmlns="" xmlns:a16="http://schemas.microsoft.com/office/drawing/2014/main" id="{F63950F3-C2C5-42A9-8336-0543C021DAAF}"/>
                 </a:ext>
               </a:extLst>
             </p:cNvPr>
@@ -1391,7 +1391,7 @@
             <p:cNvPr id="60" name="직사각형 59">
               <a:extLst>
                 <a:ext uri="{FF2B5EF4-FFF2-40B4-BE49-F238E27FC236}">
-                  <a16:creationId xmlns:a16="http://schemas.microsoft.com/office/drawing/2014/main" xmlns="" id="{79077402-B5DB-46C3-AECE-2F08348A1ECD}"/>
+                  <a16:creationId xmlns="" xmlns:a16="http://schemas.microsoft.com/office/drawing/2014/main" id="{79077402-B5DB-46C3-AECE-2F08348A1ECD}"/>
                 </a:ext>
               </a:extLst>
             </p:cNvPr>
@@ -1449,7 +1449,7 @@
             <p:cNvPr id="61" name="직사각형 60">
               <a:extLst>
                 <a:ext uri="{FF2B5EF4-FFF2-40B4-BE49-F238E27FC236}">
-                  <a16:creationId xmlns:a16="http://schemas.microsoft.com/office/drawing/2014/main" xmlns="" id="{FA56EF00-AE43-4DBF-9B64-7C07A8C97ED7}"/>
+                  <a16:creationId xmlns="" xmlns:a16="http://schemas.microsoft.com/office/drawing/2014/main" id="{FA56EF00-AE43-4DBF-9B64-7C07A8C97ED7}"/>
                 </a:ext>
               </a:extLst>
             </p:cNvPr>
@@ -1507,7 +1507,7 @@
             <p:cNvPr id="62" name="직선 연결선 61">
               <a:extLst>
                 <a:ext uri="{FF2B5EF4-FFF2-40B4-BE49-F238E27FC236}">
-                  <a16:creationId xmlns:a16="http://schemas.microsoft.com/office/drawing/2014/main" xmlns="" id="{2C45F02C-D797-4CE3-8647-C2605EA1A804}"/>
+                  <a16:creationId xmlns="" xmlns:a16="http://schemas.microsoft.com/office/drawing/2014/main" id="{2C45F02C-D797-4CE3-8647-C2605EA1A804}"/>
                 </a:ext>
               </a:extLst>
             </p:cNvPr>
@@ -1553,7 +1553,7 @@
             <p:cNvPr id="63" name="직선 연결선 62">
               <a:extLst>
                 <a:ext uri="{FF2B5EF4-FFF2-40B4-BE49-F238E27FC236}">
-                  <a16:creationId xmlns:a16="http://schemas.microsoft.com/office/drawing/2014/main" xmlns="" id="{7B031E90-F89F-4C52-8340-AAB2617C67F3}"/>
+                  <a16:creationId xmlns="" xmlns:a16="http://schemas.microsoft.com/office/drawing/2014/main" id="{7B031E90-F89F-4C52-8340-AAB2617C67F3}"/>
                 </a:ext>
               </a:extLst>
             </p:cNvPr>
@@ -1599,7 +1599,7 @@
             <p:cNvPr id="64" name="직선 연결선 63">
               <a:extLst>
                 <a:ext uri="{FF2B5EF4-FFF2-40B4-BE49-F238E27FC236}">
-                  <a16:creationId xmlns:a16="http://schemas.microsoft.com/office/drawing/2014/main" xmlns="" id="{5A8BB30F-B515-4FC4-B677-1AF61003AF81}"/>
+                  <a16:creationId xmlns="" xmlns:a16="http://schemas.microsoft.com/office/drawing/2014/main" id="{5A8BB30F-B515-4FC4-B677-1AF61003AF81}"/>
                 </a:ext>
               </a:extLst>
             </p:cNvPr>
@@ -1645,7 +1645,7 @@
             <p:cNvPr id="65" name="직선 연결선 64">
               <a:extLst>
                 <a:ext uri="{FF2B5EF4-FFF2-40B4-BE49-F238E27FC236}">
-                  <a16:creationId xmlns:a16="http://schemas.microsoft.com/office/drawing/2014/main" xmlns="" id="{5658CD92-BF96-4D70-8CA6-7144B8F3D010}"/>
+                  <a16:creationId xmlns="" xmlns:a16="http://schemas.microsoft.com/office/drawing/2014/main" id="{5658CD92-BF96-4D70-8CA6-7144B8F3D010}"/>
                 </a:ext>
               </a:extLst>
             </p:cNvPr>
@@ -1691,7 +1691,7 @@
             <p:cNvPr id="66" name="직선 연결선 65">
               <a:extLst>
                 <a:ext uri="{FF2B5EF4-FFF2-40B4-BE49-F238E27FC236}">
-                  <a16:creationId xmlns:a16="http://schemas.microsoft.com/office/drawing/2014/main" xmlns="" id="{7FA1B81D-8BDD-47B1-A359-E339E56DF879}"/>
+                  <a16:creationId xmlns="" xmlns:a16="http://schemas.microsoft.com/office/drawing/2014/main" id="{7FA1B81D-8BDD-47B1-A359-E339E56DF879}"/>
                 </a:ext>
               </a:extLst>
             </p:cNvPr>
@@ -1737,7 +1737,7 @@
             <p:cNvPr id="67" name="직선 연결선 66">
               <a:extLst>
                 <a:ext uri="{FF2B5EF4-FFF2-40B4-BE49-F238E27FC236}">
-                  <a16:creationId xmlns:a16="http://schemas.microsoft.com/office/drawing/2014/main" xmlns="" id="{58BDD4F4-60CF-4D22-BDA2-70A5842B4B40}"/>
+                  <a16:creationId xmlns="" xmlns:a16="http://schemas.microsoft.com/office/drawing/2014/main" id="{58BDD4F4-60CF-4D22-BDA2-70A5842B4B40}"/>
                 </a:ext>
               </a:extLst>
             </p:cNvPr>
@@ -1783,7 +1783,7 @@
             <p:cNvPr id="68" name="직선 연결선 67">
               <a:extLst>
                 <a:ext uri="{FF2B5EF4-FFF2-40B4-BE49-F238E27FC236}">
-                  <a16:creationId xmlns:a16="http://schemas.microsoft.com/office/drawing/2014/main" xmlns="" id="{FC26D170-A3BF-4A3F-98AD-C236CF6A30A3}"/>
+                  <a16:creationId xmlns="" xmlns:a16="http://schemas.microsoft.com/office/drawing/2014/main" id="{FC26D170-A3BF-4A3F-98AD-C236CF6A30A3}"/>
                 </a:ext>
               </a:extLst>
             </p:cNvPr>
@@ -1829,7 +1829,7 @@
             <p:cNvPr id="69" name="직선 연결선 68">
               <a:extLst>
                 <a:ext uri="{FF2B5EF4-FFF2-40B4-BE49-F238E27FC236}">
-                  <a16:creationId xmlns:a16="http://schemas.microsoft.com/office/drawing/2014/main" xmlns="" id="{77735B18-DBE1-481B-B5DA-8799F00BE994}"/>
+                  <a16:creationId xmlns="" xmlns:a16="http://schemas.microsoft.com/office/drawing/2014/main" id="{77735B18-DBE1-481B-B5DA-8799F00BE994}"/>
                 </a:ext>
               </a:extLst>
             </p:cNvPr>
@@ -1875,7 +1875,7 @@
             <p:cNvPr id="70" name="직선 연결선 69">
               <a:extLst>
                 <a:ext uri="{FF2B5EF4-FFF2-40B4-BE49-F238E27FC236}">
-                  <a16:creationId xmlns:a16="http://schemas.microsoft.com/office/drawing/2014/main" xmlns="" id="{298F62F6-2060-4003-A8D0-114BCDE22CEF}"/>
+                  <a16:creationId xmlns="" xmlns:a16="http://schemas.microsoft.com/office/drawing/2014/main" id="{298F62F6-2060-4003-A8D0-114BCDE22CEF}"/>
                 </a:ext>
               </a:extLst>
             </p:cNvPr>
@@ -1921,7 +1921,7 @@
             <p:cNvPr id="71" name="직선 연결선 70">
               <a:extLst>
                 <a:ext uri="{FF2B5EF4-FFF2-40B4-BE49-F238E27FC236}">
-                  <a16:creationId xmlns:a16="http://schemas.microsoft.com/office/drawing/2014/main" xmlns="" id="{601F3DC9-B30E-4E05-9067-EE7ECFF49E55}"/>
+                  <a16:creationId xmlns="" xmlns:a16="http://schemas.microsoft.com/office/drawing/2014/main" id="{601F3DC9-B30E-4E05-9067-EE7ECFF49E55}"/>
                 </a:ext>
               </a:extLst>
             </p:cNvPr>
@@ -1967,7 +1967,7 @@
             <p:cNvPr id="72" name="직선 연결선 71">
               <a:extLst>
                 <a:ext uri="{FF2B5EF4-FFF2-40B4-BE49-F238E27FC236}">
-                  <a16:creationId xmlns:a16="http://schemas.microsoft.com/office/drawing/2014/main" xmlns="" id="{630760BF-EAB3-4A08-A72D-BDAE7EB422B5}"/>
+                  <a16:creationId xmlns="" xmlns:a16="http://schemas.microsoft.com/office/drawing/2014/main" id="{630760BF-EAB3-4A08-A72D-BDAE7EB422B5}"/>
                 </a:ext>
               </a:extLst>
             </p:cNvPr>
@@ -2013,7 +2013,7 @@
             <p:cNvPr id="73" name="직선 연결선 72">
               <a:extLst>
                 <a:ext uri="{FF2B5EF4-FFF2-40B4-BE49-F238E27FC236}">
-                  <a16:creationId xmlns:a16="http://schemas.microsoft.com/office/drawing/2014/main" xmlns="" id="{D59010CE-B777-4C11-A280-9405924C4B67}"/>
+                  <a16:creationId xmlns="" xmlns:a16="http://schemas.microsoft.com/office/drawing/2014/main" id="{D59010CE-B777-4C11-A280-9405924C4B67}"/>
                 </a:ext>
               </a:extLst>
             </p:cNvPr>
@@ -2059,7 +2059,7 @@
             <p:cNvPr id="74" name="직선 연결선 73">
               <a:extLst>
                 <a:ext uri="{FF2B5EF4-FFF2-40B4-BE49-F238E27FC236}">
-                  <a16:creationId xmlns:a16="http://schemas.microsoft.com/office/drawing/2014/main" xmlns="" id="{8279F9E8-8984-4D1B-8F34-472305C09389}"/>
+                  <a16:creationId xmlns="" xmlns:a16="http://schemas.microsoft.com/office/drawing/2014/main" id="{8279F9E8-8984-4D1B-8F34-472305C09389}"/>
                 </a:ext>
               </a:extLst>
             </p:cNvPr>
@@ -2105,7 +2105,7 @@
             <p:cNvPr id="75" name="직선 연결선 74">
               <a:extLst>
                 <a:ext uri="{FF2B5EF4-FFF2-40B4-BE49-F238E27FC236}">
-                  <a16:creationId xmlns:a16="http://schemas.microsoft.com/office/drawing/2014/main" xmlns="" id="{FEAF7B3F-28AF-4746-80C3-1E3DFA607D27}"/>
+                  <a16:creationId xmlns="" xmlns:a16="http://schemas.microsoft.com/office/drawing/2014/main" id="{FEAF7B3F-28AF-4746-80C3-1E3DFA607D27}"/>
                 </a:ext>
               </a:extLst>
             </p:cNvPr>
@@ -2151,7 +2151,7 @@
             <p:cNvPr id="76" name="직선 연결선 75">
               <a:extLst>
                 <a:ext uri="{FF2B5EF4-FFF2-40B4-BE49-F238E27FC236}">
-                  <a16:creationId xmlns:a16="http://schemas.microsoft.com/office/drawing/2014/main" xmlns="" id="{B5B29025-D4B1-4E1C-B156-B94B96F92906}"/>
+                  <a16:creationId xmlns="" xmlns:a16="http://schemas.microsoft.com/office/drawing/2014/main" id="{B5B29025-D4B1-4E1C-B156-B94B96F92906}"/>
                 </a:ext>
               </a:extLst>
             </p:cNvPr>
@@ -2197,7 +2197,7 @@
             <p:cNvPr id="77" name="직선 연결선 76">
               <a:extLst>
                 <a:ext uri="{FF2B5EF4-FFF2-40B4-BE49-F238E27FC236}">
-                  <a16:creationId xmlns:a16="http://schemas.microsoft.com/office/drawing/2014/main" xmlns="" id="{05449F47-EBBD-4BE5-A737-272667B35401}"/>
+                  <a16:creationId xmlns="" xmlns:a16="http://schemas.microsoft.com/office/drawing/2014/main" id="{05449F47-EBBD-4BE5-A737-272667B35401}"/>
                 </a:ext>
               </a:extLst>
             </p:cNvPr>
@@ -2243,7 +2243,7 @@
             <p:cNvPr id="78" name="직선 연결선 77">
               <a:extLst>
                 <a:ext uri="{FF2B5EF4-FFF2-40B4-BE49-F238E27FC236}">
-                  <a16:creationId xmlns:a16="http://schemas.microsoft.com/office/drawing/2014/main" xmlns="" id="{2CDDD1FD-7E2F-4A71-81EE-3522C038A573}"/>
+                  <a16:creationId xmlns="" xmlns:a16="http://schemas.microsoft.com/office/drawing/2014/main" id="{2CDDD1FD-7E2F-4A71-81EE-3522C038A573}"/>
                 </a:ext>
               </a:extLst>
             </p:cNvPr>
@@ -2289,7 +2289,7 @@
             <p:cNvPr id="79" name="직선 연결선 78">
               <a:extLst>
                 <a:ext uri="{FF2B5EF4-FFF2-40B4-BE49-F238E27FC236}">
-                  <a16:creationId xmlns:a16="http://schemas.microsoft.com/office/drawing/2014/main" xmlns="" id="{60D76193-CF9E-4817-8450-4A182737974B}"/>
+                  <a16:creationId xmlns="" xmlns:a16="http://schemas.microsoft.com/office/drawing/2014/main" id="{60D76193-CF9E-4817-8450-4A182737974B}"/>
                 </a:ext>
               </a:extLst>
             </p:cNvPr>
@@ -2335,7 +2335,7 @@
             <p:cNvPr id="80" name="직선 연결선 79">
               <a:extLst>
                 <a:ext uri="{FF2B5EF4-FFF2-40B4-BE49-F238E27FC236}">
-                  <a16:creationId xmlns:a16="http://schemas.microsoft.com/office/drawing/2014/main" xmlns="" id="{424B398D-4F00-4BDC-BDB9-85059887E73D}"/>
+                  <a16:creationId xmlns="" xmlns:a16="http://schemas.microsoft.com/office/drawing/2014/main" id="{424B398D-4F00-4BDC-BDB9-85059887E73D}"/>
                 </a:ext>
               </a:extLst>
             </p:cNvPr>
@@ -2381,7 +2381,7 @@
             <p:cNvPr id="81" name="직선 연결선 80">
               <a:extLst>
                 <a:ext uri="{FF2B5EF4-FFF2-40B4-BE49-F238E27FC236}">
-                  <a16:creationId xmlns:a16="http://schemas.microsoft.com/office/drawing/2014/main" xmlns="" id="{FA372C93-037C-49A0-903C-DE1A669E7780}"/>
+                  <a16:creationId xmlns="" xmlns:a16="http://schemas.microsoft.com/office/drawing/2014/main" id="{FA372C93-037C-49A0-903C-DE1A669E7780}"/>
                 </a:ext>
               </a:extLst>
             </p:cNvPr>
@@ -2427,7 +2427,7 @@
             <p:cNvPr id="82" name="직선 연결선 81">
               <a:extLst>
                 <a:ext uri="{FF2B5EF4-FFF2-40B4-BE49-F238E27FC236}">
-                  <a16:creationId xmlns:a16="http://schemas.microsoft.com/office/drawing/2014/main" xmlns="" id="{6B4E3EBD-0A93-4BDA-B473-8D0FACCB011A}"/>
+                  <a16:creationId xmlns="" xmlns:a16="http://schemas.microsoft.com/office/drawing/2014/main" id="{6B4E3EBD-0A93-4BDA-B473-8D0FACCB011A}"/>
                 </a:ext>
               </a:extLst>
             </p:cNvPr>
@@ -2474,7 +2474,7 @@
           <p:cNvPr id="152" name="직선 연결선 151">
             <a:extLst>
               <a:ext uri="{FF2B5EF4-FFF2-40B4-BE49-F238E27FC236}">
-                <a16:creationId xmlns:a16="http://schemas.microsoft.com/office/drawing/2014/main" xmlns="" id="{6EB2C841-5DD3-4A6D-93A4-C13A00B4E019}"/>
+                <a16:creationId xmlns="" xmlns:a16="http://schemas.microsoft.com/office/drawing/2014/main" id="{6EB2C841-5DD3-4A6D-93A4-C13A00B4E019}"/>
               </a:ext>
             </a:extLst>
           </p:cNvPr>
@@ -2518,7 +2518,7 @@
           <p:cNvPr id="153" name="직선 연결선 152">
             <a:extLst>
               <a:ext uri="{FF2B5EF4-FFF2-40B4-BE49-F238E27FC236}">
-                <a16:creationId xmlns:a16="http://schemas.microsoft.com/office/drawing/2014/main" xmlns="" id="{541323E1-70F3-4EE2-BEDE-B4D80F8D7D1B}"/>
+                <a16:creationId xmlns="" xmlns:a16="http://schemas.microsoft.com/office/drawing/2014/main" id="{541323E1-70F3-4EE2-BEDE-B4D80F8D7D1B}"/>
               </a:ext>
             </a:extLst>
           </p:cNvPr>
@@ -2562,7 +2562,7 @@
           <p:cNvPr id="155" name="직선 연결선 154">
             <a:extLst>
               <a:ext uri="{FF2B5EF4-FFF2-40B4-BE49-F238E27FC236}">
-                <a16:creationId xmlns:a16="http://schemas.microsoft.com/office/drawing/2014/main" xmlns="" id="{92FD969A-6E34-4B85-A648-0C7E7F142D74}"/>
+                <a16:creationId xmlns="" xmlns:a16="http://schemas.microsoft.com/office/drawing/2014/main" id="{92FD969A-6E34-4B85-A648-0C7E7F142D74}"/>
               </a:ext>
             </a:extLst>
           </p:cNvPr>
@@ -2606,7 +2606,7 @@
           <p:cNvPr id="156" name="직선 연결선 155">
             <a:extLst>
               <a:ext uri="{FF2B5EF4-FFF2-40B4-BE49-F238E27FC236}">
-                <a16:creationId xmlns:a16="http://schemas.microsoft.com/office/drawing/2014/main" xmlns="" id="{2A64836E-9434-4D0D-91C8-2CD1760095B8}"/>
+                <a16:creationId xmlns="" xmlns:a16="http://schemas.microsoft.com/office/drawing/2014/main" id="{2A64836E-9434-4D0D-91C8-2CD1760095B8}"/>
               </a:ext>
             </a:extLst>
           </p:cNvPr>
@@ -2650,7 +2650,7 @@
           <p:cNvPr id="164" name="직선 연결선 163">
             <a:extLst>
               <a:ext uri="{FF2B5EF4-FFF2-40B4-BE49-F238E27FC236}">
-                <a16:creationId xmlns:a16="http://schemas.microsoft.com/office/drawing/2014/main" xmlns="" id="{57B583EC-9DF1-4F0A-9046-866B2019A491}"/>
+                <a16:creationId xmlns="" xmlns:a16="http://schemas.microsoft.com/office/drawing/2014/main" id="{57B583EC-9DF1-4F0A-9046-866B2019A491}"/>
               </a:ext>
             </a:extLst>
           </p:cNvPr>
@@ -2692,7 +2692,7 @@
           <p:cNvPr id="165" name="직선 연결선 164">
             <a:extLst>
               <a:ext uri="{FF2B5EF4-FFF2-40B4-BE49-F238E27FC236}">
-                <a16:creationId xmlns:a16="http://schemas.microsoft.com/office/drawing/2014/main" xmlns="" id="{EA2ECC21-E745-40CF-A678-7E5E67C00AF5}"/>
+                <a16:creationId xmlns="" xmlns:a16="http://schemas.microsoft.com/office/drawing/2014/main" id="{EA2ECC21-E745-40CF-A678-7E5E67C00AF5}"/>
               </a:ext>
             </a:extLst>
           </p:cNvPr>
@@ -2734,7 +2734,7 @@
           <p:cNvPr id="170" name="직선 연결선 169">
             <a:extLst>
               <a:ext uri="{FF2B5EF4-FFF2-40B4-BE49-F238E27FC236}">
-                <a16:creationId xmlns:a16="http://schemas.microsoft.com/office/drawing/2014/main" xmlns="" id="{77E7F1DB-B00B-4509-AD0A-1C0BF8A40D87}"/>
+                <a16:creationId xmlns="" xmlns:a16="http://schemas.microsoft.com/office/drawing/2014/main" id="{77E7F1DB-B00B-4509-AD0A-1C0BF8A40D87}"/>
               </a:ext>
             </a:extLst>
           </p:cNvPr>
@@ -2776,7 +2776,7 @@
           <p:cNvPr id="171" name="직선 연결선 170">
             <a:extLst>
               <a:ext uri="{FF2B5EF4-FFF2-40B4-BE49-F238E27FC236}">
-                <a16:creationId xmlns:a16="http://schemas.microsoft.com/office/drawing/2014/main" xmlns="" id="{3046C2F6-4777-4F3A-A4AB-2FC63A4235DA}"/>
+                <a16:creationId xmlns="" xmlns:a16="http://schemas.microsoft.com/office/drawing/2014/main" id="{3046C2F6-4777-4F3A-A4AB-2FC63A4235DA}"/>
               </a:ext>
             </a:extLst>
           </p:cNvPr>
@@ -2818,7 +2818,7 @@
           <p:cNvPr id="86" name="그룹 85">
             <a:extLst>
               <a:ext uri="{FF2B5EF4-FFF2-40B4-BE49-F238E27FC236}">
-                <a16:creationId xmlns:a16="http://schemas.microsoft.com/office/drawing/2014/main" xmlns="" id="{857C1B53-4C7C-4444-A356-54C3F56A8963}"/>
+                <a16:creationId xmlns="" xmlns:a16="http://schemas.microsoft.com/office/drawing/2014/main" id="{857C1B53-4C7C-4444-A356-54C3F56A8963}"/>
               </a:ext>
             </a:extLst>
           </p:cNvPr>
@@ -2838,7 +2838,7 @@
             <p:cNvPr id="97" name="직선 연결선 96">
               <a:extLst>
                 <a:ext uri="{FF2B5EF4-FFF2-40B4-BE49-F238E27FC236}">
-                  <a16:creationId xmlns:a16="http://schemas.microsoft.com/office/drawing/2014/main" xmlns="" id="{34C531D8-755B-4A60-863C-5FD9F97FC733}"/>
+                  <a16:creationId xmlns="" xmlns:a16="http://schemas.microsoft.com/office/drawing/2014/main" id="{34C531D8-755B-4A60-863C-5FD9F97FC733}"/>
                 </a:ext>
               </a:extLst>
             </p:cNvPr>
@@ -2884,7 +2884,7 @@
             <p:cNvPr id="98" name="직사각형 97">
               <a:extLst>
                 <a:ext uri="{FF2B5EF4-FFF2-40B4-BE49-F238E27FC236}">
-                  <a16:creationId xmlns:a16="http://schemas.microsoft.com/office/drawing/2014/main" xmlns="" id="{851DFE4C-1AF7-4619-A034-473DCC1E098A}"/>
+                  <a16:creationId xmlns="" xmlns:a16="http://schemas.microsoft.com/office/drawing/2014/main" id="{851DFE4C-1AF7-4619-A034-473DCC1E098A}"/>
                 </a:ext>
               </a:extLst>
             </p:cNvPr>
@@ -2942,7 +2942,7 @@
             <p:cNvPr id="99" name="직사각형 98">
               <a:extLst>
                 <a:ext uri="{FF2B5EF4-FFF2-40B4-BE49-F238E27FC236}">
-                  <a16:creationId xmlns:a16="http://schemas.microsoft.com/office/drawing/2014/main" xmlns="" id="{BB617A4A-9539-4BCB-AEC6-3743A563DC60}"/>
+                  <a16:creationId xmlns="" xmlns:a16="http://schemas.microsoft.com/office/drawing/2014/main" id="{BB617A4A-9539-4BCB-AEC6-3743A563DC60}"/>
                 </a:ext>
               </a:extLst>
             </p:cNvPr>
@@ -3000,7 +3000,7 @@
             <p:cNvPr id="100" name="직사각형 99">
               <a:extLst>
                 <a:ext uri="{FF2B5EF4-FFF2-40B4-BE49-F238E27FC236}">
-                  <a16:creationId xmlns:a16="http://schemas.microsoft.com/office/drawing/2014/main" xmlns="" id="{18BD515C-B985-4BFD-87BD-5CB2292F0DB9}"/>
+                  <a16:creationId xmlns="" xmlns:a16="http://schemas.microsoft.com/office/drawing/2014/main" id="{18BD515C-B985-4BFD-87BD-5CB2292F0DB9}"/>
                 </a:ext>
               </a:extLst>
             </p:cNvPr>
@@ -3058,7 +3058,7 @@
             <p:cNvPr id="101" name="직사각형 100">
               <a:extLst>
                 <a:ext uri="{FF2B5EF4-FFF2-40B4-BE49-F238E27FC236}">
-                  <a16:creationId xmlns:a16="http://schemas.microsoft.com/office/drawing/2014/main" xmlns="" id="{B5B22B8A-CE3F-465E-8320-4772D61A1810}"/>
+                  <a16:creationId xmlns="" xmlns:a16="http://schemas.microsoft.com/office/drawing/2014/main" id="{B5B22B8A-CE3F-465E-8320-4772D61A1810}"/>
                 </a:ext>
               </a:extLst>
             </p:cNvPr>
@@ -3116,7 +3116,7 @@
             <p:cNvPr id="102" name="직사각형 101">
               <a:extLst>
                 <a:ext uri="{FF2B5EF4-FFF2-40B4-BE49-F238E27FC236}">
-                  <a16:creationId xmlns:a16="http://schemas.microsoft.com/office/drawing/2014/main" xmlns="" id="{DD2D1339-C7EC-486D-A2AB-3EFCDF3F62F3}"/>
+                  <a16:creationId xmlns="" xmlns:a16="http://schemas.microsoft.com/office/drawing/2014/main" id="{DD2D1339-C7EC-486D-A2AB-3EFCDF3F62F3}"/>
                 </a:ext>
               </a:extLst>
             </p:cNvPr>
@@ -3174,7 +3174,7 @@
             <p:cNvPr id="103" name="직사각형 102">
               <a:extLst>
                 <a:ext uri="{FF2B5EF4-FFF2-40B4-BE49-F238E27FC236}">
-                  <a16:creationId xmlns:a16="http://schemas.microsoft.com/office/drawing/2014/main" xmlns="" id="{33117DBE-9EA5-4BEE-84B1-4476636DAF2C}"/>
+                  <a16:creationId xmlns="" xmlns:a16="http://schemas.microsoft.com/office/drawing/2014/main" id="{33117DBE-9EA5-4BEE-84B1-4476636DAF2C}"/>
                 </a:ext>
               </a:extLst>
             </p:cNvPr>
@@ -3232,7 +3232,7 @@
             <p:cNvPr id="104" name="직사각형 103">
               <a:extLst>
                 <a:ext uri="{FF2B5EF4-FFF2-40B4-BE49-F238E27FC236}">
-                  <a16:creationId xmlns:a16="http://schemas.microsoft.com/office/drawing/2014/main" xmlns="" id="{0451798E-E65C-48B3-9B5D-1A2A78DFC02D}"/>
+                  <a16:creationId xmlns="" xmlns:a16="http://schemas.microsoft.com/office/drawing/2014/main" id="{0451798E-E65C-48B3-9B5D-1A2A78DFC02D}"/>
                 </a:ext>
               </a:extLst>
             </p:cNvPr>
@@ -3290,7 +3290,7 @@
             <p:cNvPr id="105" name="직사각형 104">
               <a:extLst>
                 <a:ext uri="{FF2B5EF4-FFF2-40B4-BE49-F238E27FC236}">
-                  <a16:creationId xmlns:a16="http://schemas.microsoft.com/office/drawing/2014/main" xmlns="" id="{34A0F7ED-732A-41CE-9676-828149A82E0F}"/>
+                  <a16:creationId xmlns="" xmlns:a16="http://schemas.microsoft.com/office/drawing/2014/main" id="{34A0F7ED-732A-41CE-9676-828149A82E0F}"/>
                 </a:ext>
               </a:extLst>
             </p:cNvPr>
@@ -3348,7 +3348,7 @@
             <p:cNvPr id="106" name="직사각형 105">
               <a:extLst>
                 <a:ext uri="{FF2B5EF4-FFF2-40B4-BE49-F238E27FC236}">
-                  <a16:creationId xmlns:a16="http://schemas.microsoft.com/office/drawing/2014/main" xmlns="" id="{DB72DDC8-D20D-4621-BCDA-BF76185D8E0C}"/>
+                  <a16:creationId xmlns="" xmlns:a16="http://schemas.microsoft.com/office/drawing/2014/main" id="{DB72DDC8-D20D-4621-BCDA-BF76185D8E0C}"/>
                 </a:ext>
               </a:extLst>
             </p:cNvPr>
@@ -3406,7 +3406,7 @@
             <p:cNvPr id="107" name="직선 연결선 106">
               <a:extLst>
                 <a:ext uri="{FF2B5EF4-FFF2-40B4-BE49-F238E27FC236}">
-                  <a16:creationId xmlns:a16="http://schemas.microsoft.com/office/drawing/2014/main" xmlns="" id="{167E72F5-EAE2-4A07-BB24-2D895C790524}"/>
+                  <a16:creationId xmlns="" xmlns:a16="http://schemas.microsoft.com/office/drawing/2014/main" id="{167E72F5-EAE2-4A07-BB24-2D895C790524}"/>
                 </a:ext>
               </a:extLst>
             </p:cNvPr>
@@ -3452,7 +3452,7 @@
             <p:cNvPr id="108" name="직선 연결선 107">
               <a:extLst>
                 <a:ext uri="{FF2B5EF4-FFF2-40B4-BE49-F238E27FC236}">
-                  <a16:creationId xmlns:a16="http://schemas.microsoft.com/office/drawing/2014/main" xmlns="" id="{8CCB3AB6-9831-471B-B048-F84356A0E3DB}"/>
+                  <a16:creationId xmlns="" xmlns:a16="http://schemas.microsoft.com/office/drawing/2014/main" id="{8CCB3AB6-9831-471B-B048-F84356A0E3DB}"/>
                 </a:ext>
               </a:extLst>
             </p:cNvPr>
@@ -3498,7 +3498,7 @@
             <p:cNvPr id="109" name="직선 연결선 108">
               <a:extLst>
                 <a:ext uri="{FF2B5EF4-FFF2-40B4-BE49-F238E27FC236}">
-                  <a16:creationId xmlns:a16="http://schemas.microsoft.com/office/drawing/2014/main" xmlns="" id="{A3641DE1-3756-47C8-AE01-DCEA8AA7FDE1}"/>
+                  <a16:creationId xmlns="" xmlns:a16="http://schemas.microsoft.com/office/drawing/2014/main" id="{A3641DE1-3756-47C8-AE01-DCEA8AA7FDE1}"/>
                 </a:ext>
               </a:extLst>
             </p:cNvPr>
@@ -3544,7 +3544,7 @@
             <p:cNvPr id="110" name="직선 연결선 109">
               <a:extLst>
                 <a:ext uri="{FF2B5EF4-FFF2-40B4-BE49-F238E27FC236}">
-                  <a16:creationId xmlns:a16="http://schemas.microsoft.com/office/drawing/2014/main" xmlns="" id="{C750C202-43F0-4A99-967B-B0C9B385383B}"/>
+                  <a16:creationId xmlns="" xmlns:a16="http://schemas.microsoft.com/office/drawing/2014/main" id="{C750C202-43F0-4A99-967B-B0C9B385383B}"/>
                 </a:ext>
               </a:extLst>
             </p:cNvPr>
@@ -3590,7 +3590,7 @@
             <p:cNvPr id="111" name="직선 연결선 110">
               <a:extLst>
                 <a:ext uri="{FF2B5EF4-FFF2-40B4-BE49-F238E27FC236}">
-                  <a16:creationId xmlns:a16="http://schemas.microsoft.com/office/drawing/2014/main" xmlns="" id="{332A86F2-DBA1-4E28-9113-7F083AB22B01}"/>
+                  <a16:creationId xmlns="" xmlns:a16="http://schemas.microsoft.com/office/drawing/2014/main" id="{332A86F2-DBA1-4E28-9113-7F083AB22B01}"/>
                 </a:ext>
               </a:extLst>
             </p:cNvPr>
@@ -3636,7 +3636,7 @@
             <p:cNvPr id="112" name="직선 연결선 111">
               <a:extLst>
                 <a:ext uri="{FF2B5EF4-FFF2-40B4-BE49-F238E27FC236}">
-                  <a16:creationId xmlns:a16="http://schemas.microsoft.com/office/drawing/2014/main" xmlns="" id="{3E3EEB5D-DC40-43AA-BB9B-B816D8072D7B}"/>
+                  <a16:creationId xmlns="" xmlns:a16="http://schemas.microsoft.com/office/drawing/2014/main" id="{3E3EEB5D-DC40-43AA-BB9B-B816D8072D7B}"/>
                 </a:ext>
               </a:extLst>
             </p:cNvPr>
@@ -3682,7 +3682,7 @@
             <p:cNvPr id="113" name="직선 연결선 112">
               <a:extLst>
                 <a:ext uri="{FF2B5EF4-FFF2-40B4-BE49-F238E27FC236}">
-                  <a16:creationId xmlns:a16="http://schemas.microsoft.com/office/drawing/2014/main" xmlns="" id="{00B867FD-535D-4F6C-9C5E-FC7CF0A651B5}"/>
+                  <a16:creationId xmlns="" xmlns:a16="http://schemas.microsoft.com/office/drawing/2014/main" id="{00B867FD-535D-4F6C-9C5E-FC7CF0A651B5}"/>
                 </a:ext>
               </a:extLst>
             </p:cNvPr>
@@ -3728,7 +3728,7 @@
             <p:cNvPr id="114" name="직선 연결선 113">
               <a:extLst>
                 <a:ext uri="{FF2B5EF4-FFF2-40B4-BE49-F238E27FC236}">
-                  <a16:creationId xmlns:a16="http://schemas.microsoft.com/office/drawing/2014/main" xmlns="" id="{169ED3CB-6D57-4DF7-A4F0-CF11AD422B48}"/>
+                  <a16:creationId xmlns="" xmlns:a16="http://schemas.microsoft.com/office/drawing/2014/main" id="{169ED3CB-6D57-4DF7-A4F0-CF11AD422B48}"/>
                 </a:ext>
               </a:extLst>
             </p:cNvPr>
@@ -3774,7 +3774,7 @@
             <p:cNvPr id="115" name="직선 연결선 114">
               <a:extLst>
                 <a:ext uri="{FF2B5EF4-FFF2-40B4-BE49-F238E27FC236}">
-                  <a16:creationId xmlns:a16="http://schemas.microsoft.com/office/drawing/2014/main" xmlns="" id="{7A2D710D-0466-44EA-8C92-90C1918065E5}"/>
+                  <a16:creationId xmlns="" xmlns:a16="http://schemas.microsoft.com/office/drawing/2014/main" id="{7A2D710D-0466-44EA-8C92-90C1918065E5}"/>
                 </a:ext>
               </a:extLst>
             </p:cNvPr>
@@ -3820,7 +3820,7 @@
             <p:cNvPr id="116" name="직선 연결선 115">
               <a:extLst>
                 <a:ext uri="{FF2B5EF4-FFF2-40B4-BE49-F238E27FC236}">
-                  <a16:creationId xmlns:a16="http://schemas.microsoft.com/office/drawing/2014/main" xmlns="" id="{F48266D6-5820-4A5C-A2D0-327C3C73FF73}"/>
+                  <a16:creationId xmlns="" xmlns:a16="http://schemas.microsoft.com/office/drawing/2014/main" id="{F48266D6-5820-4A5C-A2D0-327C3C73FF73}"/>
                 </a:ext>
               </a:extLst>
             </p:cNvPr>
@@ -3866,7 +3866,7 @@
             <p:cNvPr id="117" name="직선 연결선 116">
               <a:extLst>
                 <a:ext uri="{FF2B5EF4-FFF2-40B4-BE49-F238E27FC236}">
-                  <a16:creationId xmlns:a16="http://schemas.microsoft.com/office/drawing/2014/main" xmlns="" id="{D4EF8626-8037-446C-8433-811CA9F87C88}"/>
+                  <a16:creationId xmlns="" xmlns:a16="http://schemas.microsoft.com/office/drawing/2014/main" id="{D4EF8626-8037-446C-8433-811CA9F87C88}"/>
                 </a:ext>
               </a:extLst>
             </p:cNvPr>
@@ -3912,7 +3912,7 @@
             <p:cNvPr id="118" name="직선 연결선 117">
               <a:extLst>
                 <a:ext uri="{FF2B5EF4-FFF2-40B4-BE49-F238E27FC236}">
-                  <a16:creationId xmlns:a16="http://schemas.microsoft.com/office/drawing/2014/main" xmlns="" id="{13459074-D8D2-4537-A449-A95E4737E108}"/>
+                  <a16:creationId xmlns="" xmlns:a16="http://schemas.microsoft.com/office/drawing/2014/main" id="{13459074-D8D2-4537-A449-A95E4737E108}"/>
                 </a:ext>
               </a:extLst>
             </p:cNvPr>
@@ -3958,7 +3958,7 @@
             <p:cNvPr id="119" name="직선 연결선 118">
               <a:extLst>
                 <a:ext uri="{FF2B5EF4-FFF2-40B4-BE49-F238E27FC236}">
-                  <a16:creationId xmlns:a16="http://schemas.microsoft.com/office/drawing/2014/main" xmlns="" id="{D2C98C02-D62F-4C30-8ECC-299856548294}"/>
+                  <a16:creationId xmlns="" xmlns:a16="http://schemas.microsoft.com/office/drawing/2014/main" id="{D2C98C02-D62F-4C30-8ECC-299856548294}"/>
                 </a:ext>
               </a:extLst>
             </p:cNvPr>
@@ -4004,7 +4004,7 @@
             <p:cNvPr id="120" name="직선 연결선 119">
               <a:extLst>
                 <a:ext uri="{FF2B5EF4-FFF2-40B4-BE49-F238E27FC236}">
-                  <a16:creationId xmlns:a16="http://schemas.microsoft.com/office/drawing/2014/main" xmlns="" id="{E64C824C-87FE-420E-9AF1-B3058585A7FB}"/>
+                  <a16:creationId xmlns="" xmlns:a16="http://schemas.microsoft.com/office/drawing/2014/main" id="{E64C824C-87FE-420E-9AF1-B3058585A7FB}"/>
                 </a:ext>
               </a:extLst>
             </p:cNvPr>
@@ -4050,7 +4050,7 @@
             <p:cNvPr id="121" name="직선 연결선 120">
               <a:extLst>
                 <a:ext uri="{FF2B5EF4-FFF2-40B4-BE49-F238E27FC236}">
-                  <a16:creationId xmlns:a16="http://schemas.microsoft.com/office/drawing/2014/main" xmlns="" id="{4BBC474F-92EF-4D99-A077-A78912EC4C04}"/>
+                  <a16:creationId xmlns="" xmlns:a16="http://schemas.microsoft.com/office/drawing/2014/main" id="{4BBC474F-92EF-4D99-A077-A78912EC4C04}"/>
                 </a:ext>
               </a:extLst>
             </p:cNvPr>
@@ -4096,7 +4096,7 @@
             <p:cNvPr id="122" name="직선 연결선 121">
               <a:extLst>
                 <a:ext uri="{FF2B5EF4-FFF2-40B4-BE49-F238E27FC236}">
-                  <a16:creationId xmlns:a16="http://schemas.microsoft.com/office/drawing/2014/main" xmlns="" id="{A4A42984-0685-44BA-BD0B-5DC25F75AB45}"/>
+                  <a16:creationId xmlns="" xmlns:a16="http://schemas.microsoft.com/office/drawing/2014/main" id="{A4A42984-0685-44BA-BD0B-5DC25F75AB45}"/>
                 </a:ext>
               </a:extLst>
             </p:cNvPr>
@@ -4142,7 +4142,7 @@
             <p:cNvPr id="123" name="직선 연결선 122">
               <a:extLst>
                 <a:ext uri="{FF2B5EF4-FFF2-40B4-BE49-F238E27FC236}">
-                  <a16:creationId xmlns:a16="http://schemas.microsoft.com/office/drawing/2014/main" xmlns="" id="{7916ACCA-F752-4287-A8F6-5BC175EBC602}"/>
+                  <a16:creationId xmlns="" xmlns:a16="http://schemas.microsoft.com/office/drawing/2014/main" id="{7916ACCA-F752-4287-A8F6-5BC175EBC602}"/>
                 </a:ext>
               </a:extLst>
             </p:cNvPr>
@@ -4188,7 +4188,7 @@
             <p:cNvPr id="124" name="직선 연결선 123">
               <a:extLst>
                 <a:ext uri="{FF2B5EF4-FFF2-40B4-BE49-F238E27FC236}">
-                  <a16:creationId xmlns:a16="http://schemas.microsoft.com/office/drawing/2014/main" xmlns="" id="{A5A689AA-6C93-4036-91F7-D474577BA23F}"/>
+                  <a16:creationId xmlns="" xmlns:a16="http://schemas.microsoft.com/office/drawing/2014/main" id="{A5A689AA-6C93-4036-91F7-D474577BA23F}"/>
                 </a:ext>
               </a:extLst>
             </p:cNvPr>
@@ -4234,7 +4234,7 @@
             <p:cNvPr id="125" name="직선 연결선 124">
               <a:extLst>
                 <a:ext uri="{FF2B5EF4-FFF2-40B4-BE49-F238E27FC236}">
-                  <a16:creationId xmlns:a16="http://schemas.microsoft.com/office/drawing/2014/main" xmlns="" id="{570E54B9-5315-490B-9E5E-ADCAC6F7D617}"/>
+                  <a16:creationId xmlns="" xmlns:a16="http://schemas.microsoft.com/office/drawing/2014/main" id="{570E54B9-5315-490B-9E5E-ADCAC6F7D617}"/>
                 </a:ext>
               </a:extLst>
             </p:cNvPr>
@@ -4280,7 +4280,7 @@
             <p:cNvPr id="126" name="직선 연결선 125">
               <a:extLst>
                 <a:ext uri="{FF2B5EF4-FFF2-40B4-BE49-F238E27FC236}">
-                  <a16:creationId xmlns:a16="http://schemas.microsoft.com/office/drawing/2014/main" xmlns="" id="{A78CEC21-D7D1-418D-BE95-7AC4220DF26B}"/>
+                  <a16:creationId xmlns="" xmlns:a16="http://schemas.microsoft.com/office/drawing/2014/main" id="{A78CEC21-D7D1-418D-BE95-7AC4220DF26B}"/>
                 </a:ext>
               </a:extLst>
             </p:cNvPr>
@@ -4326,7 +4326,7 @@
             <p:cNvPr id="127" name="직선 연결선 126">
               <a:extLst>
                 <a:ext uri="{FF2B5EF4-FFF2-40B4-BE49-F238E27FC236}">
-                  <a16:creationId xmlns:a16="http://schemas.microsoft.com/office/drawing/2014/main" xmlns="" id="{122E4F90-317C-47B3-BFBC-E86D2BACC5BA}"/>
+                  <a16:creationId xmlns="" xmlns:a16="http://schemas.microsoft.com/office/drawing/2014/main" id="{122E4F90-317C-47B3-BFBC-E86D2BACC5BA}"/>
                 </a:ext>
               </a:extLst>
             </p:cNvPr>
@@ -4373,7 +4373,7 @@
           <p:cNvPr id="88" name="직선 연결선 87">
             <a:extLst>
               <a:ext uri="{FF2B5EF4-FFF2-40B4-BE49-F238E27FC236}">
-                <a16:creationId xmlns:a16="http://schemas.microsoft.com/office/drawing/2014/main" xmlns="" id="{564BAE87-60F7-4DAC-9D56-A650F1A22773}"/>
+                <a16:creationId xmlns="" xmlns:a16="http://schemas.microsoft.com/office/drawing/2014/main" id="{564BAE87-60F7-4DAC-9D56-A650F1A22773}"/>
               </a:ext>
             </a:extLst>
           </p:cNvPr>
@@ -4417,7 +4417,7 @@
           <p:cNvPr id="90" name="직선 연결선 89">
             <a:extLst>
               <a:ext uri="{FF2B5EF4-FFF2-40B4-BE49-F238E27FC236}">
-                <a16:creationId xmlns:a16="http://schemas.microsoft.com/office/drawing/2014/main" xmlns="" id="{FBA648AF-98E3-4C28-852D-9CA727487E15}"/>
+                <a16:creationId xmlns="" xmlns:a16="http://schemas.microsoft.com/office/drawing/2014/main" id="{FBA648AF-98E3-4C28-852D-9CA727487E15}"/>
               </a:ext>
             </a:extLst>
           </p:cNvPr>
@@ -4461,7 +4461,7 @@
           <p:cNvPr id="91" name="직선 연결선 90">
             <a:extLst>
               <a:ext uri="{FF2B5EF4-FFF2-40B4-BE49-F238E27FC236}">
-                <a16:creationId xmlns:a16="http://schemas.microsoft.com/office/drawing/2014/main" xmlns="" id="{C0A799A4-DC79-4AF4-80DE-A5AD74468E60}"/>
+                <a16:creationId xmlns="" xmlns:a16="http://schemas.microsoft.com/office/drawing/2014/main" id="{C0A799A4-DC79-4AF4-80DE-A5AD74468E60}"/>
               </a:ext>
             </a:extLst>
           </p:cNvPr>
@@ -4505,7 +4505,7 @@
           <p:cNvPr id="92" name="직선 연결선 91">
             <a:extLst>
               <a:ext uri="{FF2B5EF4-FFF2-40B4-BE49-F238E27FC236}">
-                <a16:creationId xmlns:a16="http://schemas.microsoft.com/office/drawing/2014/main" xmlns="" id="{333B4450-81BF-425D-AB67-122B61CBADF9}"/>
+                <a16:creationId xmlns="" xmlns:a16="http://schemas.microsoft.com/office/drawing/2014/main" id="{333B4450-81BF-425D-AB67-122B61CBADF9}"/>
               </a:ext>
             </a:extLst>
           </p:cNvPr>
@@ -4549,7 +4549,7 @@
           <p:cNvPr id="93" name="직선 연결선 92">
             <a:extLst>
               <a:ext uri="{FF2B5EF4-FFF2-40B4-BE49-F238E27FC236}">
-                <a16:creationId xmlns:a16="http://schemas.microsoft.com/office/drawing/2014/main" xmlns="" id="{A0705C9B-DC13-4B04-90B6-F31A6DAD0DE6}"/>
+                <a16:creationId xmlns="" xmlns:a16="http://schemas.microsoft.com/office/drawing/2014/main" id="{A0705C9B-DC13-4B04-90B6-F31A6DAD0DE6}"/>
               </a:ext>
             </a:extLst>
           </p:cNvPr>
@@ -4591,7 +4591,7 @@
           <p:cNvPr id="94" name="직선 연결선 93">
             <a:extLst>
               <a:ext uri="{FF2B5EF4-FFF2-40B4-BE49-F238E27FC236}">
-                <a16:creationId xmlns:a16="http://schemas.microsoft.com/office/drawing/2014/main" xmlns="" id="{1D6EDF43-087D-4DDD-8554-5AC4ABADC7F5}"/>
+                <a16:creationId xmlns="" xmlns:a16="http://schemas.microsoft.com/office/drawing/2014/main" id="{1D6EDF43-087D-4DDD-8554-5AC4ABADC7F5}"/>
               </a:ext>
             </a:extLst>
           </p:cNvPr>
@@ -4633,7 +4633,7 @@
           <p:cNvPr id="95" name="직선 연결선 94">
             <a:extLst>
               <a:ext uri="{FF2B5EF4-FFF2-40B4-BE49-F238E27FC236}">
-                <a16:creationId xmlns:a16="http://schemas.microsoft.com/office/drawing/2014/main" xmlns="" id="{906FD383-BF2F-45B4-BD3C-99CC2616099A}"/>
+                <a16:creationId xmlns="" xmlns:a16="http://schemas.microsoft.com/office/drawing/2014/main" id="{906FD383-BF2F-45B4-BD3C-99CC2616099A}"/>
               </a:ext>
             </a:extLst>
           </p:cNvPr>
@@ -4675,7 +4675,7 @@
           <p:cNvPr id="96" name="직선 연결선 95">
             <a:extLst>
               <a:ext uri="{FF2B5EF4-FFF2-40B4-BE49-F238E27FC236}">
-                <a16:creationId xmlns:a16="http://schemas.microsoft.com/office/drawing/2014/main" xmlns="" id="{A0ED9C7C-DC84-486B-A529-5F756EA7C1B4}"/>
+                <a16:creationId xmlns="" xmlns:a16="http://schemas.microsoft.com/office/drawing/2014/main" id="{A0ED9C7C-DC84-486B-A529-5F756EA7C1B4}"/>
               </a:ext>
             </a:extLst>
           </p:cNvPr>
@@ -4717,7 +4717,7 @@
           <p:cNvPr id="129" name="그룹 128">
             <a:extLst>
               <a:ext uri="{FF2B5EF4-FFF2-40B4-BE49-F238E27FC236}">
-                <a16:creationId xmlns:a16="http://schemas.microsoft.com/office/drawing/2014/main" xmlns="" id="{ED573D72-7AD8-44FB-9F48-0C2C037EDCE0}"/>
+                <a16:creationId xmlns="" xmlns:a16="http://schemas.microsoft.com/office/drawing/2014/main" id="{ED573D72-7AD8-44FB-9F48-0C2C037EDCE0}"/>
               </a:ext>
             </a:extLst>
           </p:cNvPr>
@@ -4737,7 +4737,7 @@
             <p:cNvPr id="176" name="직선 연결선 175">
               <a:extLst>
                 <a:ext uri="{FF2B5EF4-FFF2-40B4-BE49-F238E27FC236}">
-                  <a16:creationId xmlns:a16="http://schemas.microsoft.com/office/drawing/2014/main" xmlns="" id="{CC4994C6-F3D4-42B4-AA71-C132F45643C8}"/>
+                  <a16:creationId xmlns="" xmlns:a16="http://schemas.microsoft.com/office/drawing/2014/main" id="{CC4994C6-F3D4-42B4-AA71-C132F45643C8}"/>
                 </a:ext>
               </a:extLst>
             </p:cNvPr>
@@ -4783,7 +4783,7 @@
             <p:cNvPr id="177" name="직사각형 176">
               <a:extLst>
                 <a:ext uri="{FF2B5EF4-FFF2-40B4-BE49-F238E27FC236}">
-                  <a16:creationId xmlns:a16="http://schemas.microsoft.com/office/drawing/2014/main" xmlns="" id="{9C84B4F5-73E3-48A0-9D4F-2C9B566CC8E1}"/>
+                  <a16:creationId xmlns="" xmlns:a16="http://schemas.microsoft.com/office/drawing/2014/main" id="{9C84B4F5-73E3-48A0-9D4F-2C9B566CC8E1}"/>
                 </a:ext>
               </a:extLst>
             </p:cNvPr>
@@ -4841,7 +4841,7 @@
             <p:cNvPr id="178" name="직사각형 177">
               <a:extLst>
                 <a:ext uri="{FF2B5EF4-FFF2-40B4-BE49-F238E27FC236}">
-                  <a16:creationId xmlns:a16="http://schemas.microsoft.com/office/drawing/2014/main" xmlns="" id="{205FEA31-A3D8-4093-96C8-6A598B1D72C5}"/>
+                  <a16:creationId xmlns="" xmlns:a16="http://schemas.microsoft.com/office/drawing/2014/main" id="{205FEA31-A3D8-4093-96C8-6A598B1D72C5}"/>
                 </a:ext>
               </a:extLst>
             </p:cNvPr>
@@ -4899,7 +4899,7 @@
             <p:cNvPr id="179" name="직사각형 178">
               <a:extLst>
                 <a:ext uri="{FF2B5EF4-FFF2-40B4-BE49-F238E27FC236}">
-                  <a16:creationId xmlns:a16="http://schemas.microsoft.com/office/drawing/2014/main" xmlns="" id="{B47BF6B8-634A-4188-887D-1C0F860C33F8}"/>
+                  <a16:creationId xmlns="" xmlns:a16="http://schemas.microsoft.com/office/drawing/2014/main" id="{B47BF6B8-634A-4188-887D-1C0F860C33F8}"/>
                 </a:ext>
               </a:extLst>
             </p:cNvPr>
@@ -4957,7 +4957,7 @@
             <p:cNvPr id="180" name="직사각형 179">
               <a:extLst>
                 <a:ext uri="{FF2B5EF4-FFF2-40B4-BE49-F238E27FC236}">
-                  <a16:creationId xmlns:a16="http://schemas.microsoft.com/office/drawing/2014/main" xmlns="" id="{E9B89B4F-CD20-4E2F-984A-6E95E88D73F8}"/>
+                  <a16:creationId xmlns="" xmlns:a16="http://schemas.microsoft.com/office/drawing/2014/main" id="{E9B89B4F-CD20-4E2F-984A-6E95E88D73F8}"/>
                 </a:ext>
               </a:extLst>
             </p:cNvPr>
@@ -5015,7 +5015,7 @@
             <p:cNvPr id="181" name="직사각형 180">
               <a:extLst>
                 <a:ext uri="{FF2B5EF4-FFF2-40B4-BE49-F238E27FC236}">
-                  <a16:creationId xmlns:a16="http://schemas.microsoft.com/office/drawing/2014/main" xmlns="" id="{F6198B8A-9D1B-4BCE-A547-80A95005DA7B}"/>
+                  <a16:creationId xmlns="" xmlns:a16="http://schemas.microsoft.com/office/drawing/2014/main" id="{F6198B8A-9D1B-4BCE-A547-80A95005DA7B}"/>
                 </a:ext>
               </a:extLst>
             </p:cNvPr>
@@ -5073,7 +5073,7 @@
             <p:cNvPr id="182" name="직사각형 181">
               <a:extLst>
                 <a:ext uri="{FF2B5EF4-FFF2-40B4-BE49-F238E27FC236}">
-                  <a16:creationId xmlns:a16="http://schemas.microsoft.com/office/drawing/2014/main" xmlns="" id="{38611C34-B252-4FA9-9FCA-595439428D61}"/>
+                  <a16:creationId xmlns="" xmlns:a16="http://schemas.microsoft.com/office/drawing/2014/main" id="{38611C34-B252-4FA9-9FCA-595439428D61}"/>
                 </a:ext>
               </a:extLst>
             </p:cNvPr>
@@ -5131,7 +5131,7 @@
             <p:cNvPr id="183" name="직사각형 182">
               <a:extLst>
                 <a:ext uri="{FF2B5EF4-FFF2-40B4-BE49-F238E27FC236}">
-                  <a16:creationId xmlns:a16="http://schemas.microsoft.com/office/drawing/2014/main" xmlns="" id="{3F7565C8-F225-45B2-9819-9F70A786FB4C}"/>
+                  <a16:creationId xmlns="" xmlns:a16="http://schemas.microsoft.com/office/drawing/2014/main" id="{3F7565C8-F225-45B2-9819-9F70A786FB4C}"/>
                 </a:ext>
               </a:extLst>
             </p:cNvPr>
@@ -5189,7 +5189,7 @@
             <p:cNvPr id="184" name="직사각형 183">
               <a:extLst>
                 <a:ext uri="{FF2B5EF4-FFF2-40B4-BE49-F238E27FC236}">
-                  <a16:creationId xmlns:a16="http://schemas.microsoft.com/office/drawing/2014/main" xmlns="" id="{0A3E9B34-69E7-4A82-941D-78063B009B49}"/>
+                  <a16:creationId xmlns="" xmlns:a16="http://schemas.microsoft.com/office/drawing/2014/main" id="{0A3E9B34-69E7-4A82-941D-78063B009B49}"/>
                 </a:ext>
               </a:extLst>
             </p:cNvPr>
@@ -5247,7 +5247,7 @@
             <p:cNvPr id="185" name="직사각형 184">
               <a:extLst>
                 <a:ext uri="{FF2B5EF4-FFF2-40B4-BE49-F238E27FC236}">
-                  <a16:creationId xmlns:a16="http://schemas.microsoft.com/office/drawing/2014/main" xmlns="" id="{C6CD0398-3F53-4AC0-8298-9656E229573D}"/>
+                  <a16:creationId xmlns="" xmlns:a16="http://schemas.microsoft.com/office/drawing/2014/main" id="{C6CD0398-3F53-4AC0-8298-9656E229573D}"/>
                 </a:ext>
               </a:extLst>
             </p:cNvPr>
@@ -5305,7 +5305,7 @@
             <p:cNvPr id="186" name="직선 연결선 185">
               <a:extLst>
                 <a:ext uri="{FF2B5EF4-FFF2-40B4-BE49-F238E27FC236}">
-                  <a16:creationId xmlns:a16="http://schemas.microsoft.com/office/drawing/2014/main" xmlns="" id="{AF39B358-6747-4385-96E1-E140FA296B67}"/>
+                  <a16:creationId xmlns="" xmlns:a16="http://schemas.microsoft.com/office/drawing/2014/main" id="{AF39B358-6747-4385-96E1-E140FA296B67}"/>
                 </a:ext>
               </a:extLst>
             </p:cNvPr>
@@ -5351,7 +5351,7 @@
             <p:cNvPr id="187" name="직선 연결선 186">
               <a:extLst>
                 <a:ext uri="{FF2B5EF4-FFF2-40B4-BE49-F238E27FC236}">
-                  <a16:creationId xmlns:a16="http://schemas.microsoft.com/office/drawing/2014/main" xmlns="" id="{AC4ACE1D-B449-4501-AEE7-0635F9F6B134}"/>
+                  <a16:creationId xmlns="" xmlns:a16="http://schemas.microsoft.com/office/drawing/2014/main" id="{AC4ACE1D-B449-4501-AEE7-0635F9F6B134}"/>
                 </a:ext>
               </a:extLst>
             </p:cNvPr>
@@ -5397,7 +5397,7 @@
             <p:cNvPr id="188" name="직선 연결선 187">
               <a:extLst>
                 <a:ext uri="{FF2B5EF4-FFF2-40B4-BE49-F238E27FC236}">
-                  <a16:creationId xmlns:a16="http://schemas.microsoft.com/office/drawing/2014/main" xmlns="" id="{5FF5E11B-E571-4CF0-A18A-8E8A4A4A44BD}"/>
+                  <a16:creationId xmlns="" xmlns:a16="http://schemas.microsoft.com/office/drawing/2014/main" id="{5FF5E11B-E571-4CF0-A18A-8E8A4A4A44BD}"/>
                 </a:ext>
               </a:extLst>
             </p:cNvPr>
@@ -5443,7 +5443,7 @@
             <p:cNvPr id="189" name="직선 연결선 188">
               <a:extLst>
                 <a:ext uri="{FF2B5EF4-FFF2-40B4-BE49-F238E27FC236}">
-                  <a16:creationId xmlns:a16="http://schemas.microsoft.com/office/drawing/2014/main" xmlns="" id="{C55BF16A-F415-4CA7-81A3-2D1FAAE82717}"/>
+                  <a16:creationId xmlns="" xmlns:a16="http://schemas.microsoft.com/office/drawing/2014/main" id="{C55BF16A-F415-4CA7-81A3-2D1FAAE82717}"/>
                 </a:ext>
               </a:extLst>
             </p:cNvPr>
@@ -5489,7 +5489,7 @@
             <p:cNvPr id="190" name="직선 연결선 189">
               <a:extLst>
                 <a:ext uri="{FF2B5EF4-FFF2-40B4-BE49-F238E27FC236}">
-                  <a16:creationId xmlns:a16="http://schemas.microsoft.com/office/drawing/2014/main" xmlns="" id="{B5832F1B-9633-4E7D-AE64-1DE65FBCC78B}"/>
+                  <a16:creationId xmlns="" xmlns:a16="http://schemas.microsoft.com/office/drawing/2014/main" id="{B5832F1B-9633-4E7D-AE64-1DE65FBCC78B}"/>
                 </a:ext>
               </a:extLst>
             </p:cNvPr>
@@ -5535,7 +5535,7 @@
             <p:cNvPr id="191" name="직선 연결선 190">
               <a:extLst>
                 <a:ext uri="{FF2B5EF4-FFF2-40B4-BE49-F238E27FC236}">
-                  <a16:creationId xmlns:a16="http://schemas.microsoft.com/office/drawing/2014/main" xmlns="" id="{13EE7CF0-FB74-4359-88B0-96C5B25F6EBB}"/>
+                  <a16:creationId xmlns="" xmlns:a16="http://schemas.microsoft.com/office/drawing/2014/main" id="{13EE7CF0-FB74-4359-88B0-96C5B25F6EBB}"/>
                 </a:ext>
               </a:extLst>
             </p:cNvPr>
@@ -5581,7 +5581,7 @@
             <p:cNvPr id="192" name="직선 연결선 191">
               <a:extLst>
                 <a:ext uri="{FF2B5EF4-FFF2-40B4-BE49-F238E27FC236}">
-                  <a16:creationId xmlns:a16="http://schemas.microsoft.com/office/drawing/2014/main" xmlns="" id="{C3FE5722-47C5-484F-92A5-6397240FA0CC}"/>
+                  <a16:creationId xmlns="" xmlns:a16="http://schemas.microsoft.com/office/drawing/2014/main" id="{C3FE5722-47C5-484F-92A5-6397240FA0CC}"/>
                 </a:ext>
               </a:extLst>
             </p:cNvPr>
@@ -5627,7 +5627,7 @@
             <p:cNvPr id="193" name="직선 연결선 192">
               <a:extLst>
                 <a:ext uri="{FF2B5EF4-FFF2-40B4-BE49-F238E27FC236}">
-                  <a16:creationId xmlns:a16="http://schemas.microsoft.com/office/drawing/2014/main" xmlns="" id="{8F57DFA1-136B-4DE4-853D-01828E027A37}"/>
+                  <a16:creationId xmlns="" xmlns:a16="http://schemas.microsoft.com/office/drawing/2014/main" id="{8F57DFA1-136B-4DE4-853D-01828E027A37}"/>
                 </a:ext>
               </a:extLst>
             </p:cNvPr>
@@ -5673,7 +5673,7 @@
             <p:cNvPr id="194" name="직선 연결선 193">
               <a:extLst>
                 <a:ext uri="{FF2B5EF4-FFF2-40B4-BE49-F238E27FC236}">
-                  <a16:creationId xmlns:a16="http://schemas.microsoft.com/office/drawing/2014/main" xmlns="" id="{95301BF6-3351-4C53-9BE9-8470822CAC37}"/>
+                  <a16:creationId xmlns="" xmlns:a16="http://schemas.microsoft.com/office/drawing/2014/main" id="{95301BF6-3351-4C53-9BE9-8470822CAC37}"/>
                 </a:ext>
               </a:extLst>
             </p:cNvPr>
@@ -5719,7 +5719,7 @@
             <p:cNvPr id="195" name="직선 연결선 194">
               <a:extLst>
                 <a:ext uri="{FF2B5EF4-FFF2-40B4-BE49-F238E27FC236}">
-                  <a16:creationId xmlns:a16="http://schemas.microsoft.com/office/drawing/2014/main" xmlns="" id="{DAC0EBCD-BFB7-4C48-99FC-5875278CFB24}"/>
+                  <a16:creationId xmlns="" xmlns:a16="http://schemas.microsoft.com/office/drawing/2014/main" id="{DAC0EBCD-BFB7-4C48-99FC-5875278CFB24}"/>
                 </a:ext>
               </a:extLst>
             </p:cNvPr>
@@ -5765,7 +5765,7 @@
             <p:cNvPr id="196" name="직선 연결선 195">
               <a:extLst>
                 <a:ext uri="{FF2B5EF4-FFF2-40B4-BE49-F238E27FC236}">
-                  <a16:creationId xmlns:a16="http://schemas.microsoft.com/office/drawing/2014/main" xmlns="" id="{D42181BE-713A-49A1-B325-CCC6537D1048}"/>
+                  <a16:creationId xmlns="" xmlns:a16="http://schemas.microsoft.com/office/drawing/2014/main" id="{D42181BE-713A-49A1-B325-CCC6537D1048}"/>
                 </a:ext>
               </a:extLst>
             </p:cNvPr>
@@ -5811,7 +5811,7 @@
             <p:cNvPr id="197" name="직선 연결선 196">
               <a:extLst>
                 <a:ext uri="{FF2B5EF4-FFF2-40B4-BE49-F238E27FC236}">
-                  <a16:creationId xmlns:a16="http://schemas.microsoft.com/office/drawing/2014/main" xmlns="" id="{EC3EAE97-BFA3-4E0D-8E02-4CC632A470EA}"/>
+                  <a16:creationId xmlns="" xmlns:a16="http://schemas.microsoft.com/office/drawing/2014/main" id="{EC3EAE97-BFA3-4E0D-8E02-4CC632A470EA}"/>
                 </a:ext>
               </a:extLst>
             </p:cNvPr>
@@ -5857,7 +5857,7 @@
             <p:cNvPr id="198" name="직선 연결선 197">
               <a:extLst>
                 <a:ext uri="{FF2B5EF4-FFF2-40B4-BE49-F238E27FC236}">
-                  <a16:creationId xmlns:a16="http://schemas.microsoft.com/office/drawing/2014/main" xmlns="" id="{8C8969BA-4CD9-4F71-8455-B54F52D29C17}"/>
+                  <a16:creationId xmlns="" xmlns:a16="http://schemas.microsoft.com/office/drawing/2014/main" id="{8C8969BA-4CD9-4F71-8455-B54F52D29C17}"/>
                 </a:ext>
               </a:extLst>
             </p:cNvPr>
@@ -5903,7 +5903,7 @@
             <p:cNvPr id="199" name="직선 연결선 198">
               <a:extLst>
                 <a:ext uri="{FF2B5EF4-FFF2-40B4-BE49-F238E27FC236}">
-                  <a16:creationId xmlns:a16="http://schemas.microsoft.com/office/drawing/2014/main" xmlns="" id="{65657BCE-1940-47E6-8DD9-D2AC2FB05289}"/>
+                  <a16:creationId xmlns="" xmlns:a16="http://schemas.microsoft.com/office/drawing/2014/main" id="{65657BCE-1940-47E6-8DD9-D2AC2FB05289}"/>
                 </a:ext>
               </a:extLst>
             </p:cNvPr>
@@ -5949,7 +5949,7 @@
             <p:cNvPr id="200" name="직선 연결선 199">
               <a:extLst>
                 <a:ext uri="{FF2B5EF4-FFF2-40B4-BE49-F238E27FC236}">
-                  <a16:creationId xmlns:a16="http://schemas.microsoft.com/office/drawing/2014/main" xmlns="" id="{AE264CCB-DDE3-4C71-9E2D-14C8FF985429}"/>
+                  <a16:creationId xmlns="" xmlns:a16="http://schemas.microsoft.com/office/drawing/2014/main" id="{AE264CCB-DDE3-4C71-9E2D-14C8FF985429}"/>
                 </a:ext>
               </a:extLst>
             </p:cNvPr>
@@ -5995,7 +5995,7 @@
             <p:cNvPr id="201" name="직선 연결선 200">
               <a:extLst>
                 <a:ext uri="{FF2B5EF4-FFF2-40B4-BE49-F238E27FC236}">
-                  <a16:creationId xmlns:a16="http://schemas.microsoft.com/office/drawing/2014/main" xmlns="" id="{E187D845-5F15-430D-B44C-9594732E324F}"/>
+                  <a16:creationId xmlns="" xmlns:a16="http://schemas.microsoft.com/office/drawing/2014/main" id="{E187D845-5F15-430D-B44C-9594732E324F}"/>
                 </a:ext>
               </a:extLst>
             </p:cNvPr>
@@ -6041,7 +6041,7 @@
             <p:cNvPr id="202" name="직선 연결선 201">
               <a:extLst>
                 <a:ext uri="{FF2B5EF4-FFF2-40B4-BE49-F238E27FC236}">
-                  <a16:creationId xmlns:a16="http://schemas.microsoft.com/office/drawing/2014/main" xmlns="" id="{E658F381-7A83-4B77-93FE-FB88C7D50C3A}"/>
+                  <a16:creationId xmlns="" xmlns:a16="http://schemas.microsoft.com/office/drawing/2014/main" id="{E658F381-7A83-4B77-93FE-FB88C7D50C3A}"/>
                 </a:ext>
               </a:extLst>
             </p:cNvPr>
@@ -6087,7 +6087,7 @@
             <p:cNvPr id="203" name="직선 연결선 202">
               <a:extLst>
                 <a:ext uri="{FF2B5EF4-FFF2-40B4-BE49-F238E27FC236}">
-                  <a16:creationId xmlns:a16="http://schemas.microsoft.com/office/drawing/2014/main" xmlns="" id="{7B791C58-228B-47AA-B465-BF0395E71433}"/>
+                  <a16:creationId xmlns="" xmlns:a16="http://schemas.microsoft.com/office/drawing/2014/main" id="{7B791C58-228B-47AA-B465-BF0395E71433}"/>
                 </a:ext>
               </a:extLst>
             </p:cNvPr>
@@ -6133,7 +6133,7 @@
             <p:cNvPr id="204" name="직선 연결선 203">
               <a:extLst>
                 <a:ext uri="{FF2B5EF4-FFF2-40B4-BE49-F238E27FC236}">
-                  <a16:creationId xmlns:a16="http://schemas.microsoft.com/office/drawing/2014/main" xmlns="" id="{8A7FC949-FC65-433E-A67E-A57A48E35074}"/>
+                  <a16:creationId xmlns="" xmlns:a16="http://schemas.microsoft.com/office/drawing/2014/main" id="{8A7FC949-FC65-433E-A67E-A57A48E35074}"/>
                 </a:ext>
               </a:extLst>
             </p:cNvPr>
@@ -6179,7 +6179,7 @@
             <p:cNvPr id="205" name="직선 연결선 204">
               <a:extLst>
                 <a:ext uri="{FF2B5EF4-FFF2-40B4-BE49-F238E27FC236}">
-                  <a16:creationId xmlns:a16="http://schemas.microsoft.com/office/drawing/2014/main" xmlns="" id="{8750A856-54BE-49B0-8B12-F55958B11B14}"/>
+                  <a16:creationId xmlns="" xmlns:a16="http://schemas.microsoft.com/office/drawing/2014/main" id="{8750A856-54BE-49B0-8B12-F55958B11B14}"/>
                 </a:ext>
               </a:extLst>
             </p:cNvPr>
@@ -6225,7 +6225,7 @@
             <p:cNvPr id="206" name="직선 연결선 205">
               <a:extLst>
                 <a:ext uri="{FF2B5EF4-FFF2-40B4-BE49-F238E27FC236}">
-                  <a16:creationId xmlns:a16="http://schemas.microsoft.com/office/drawing/2014/main" xmlns="" id="{19CC8FB2-1E61-4602-B000-414EB78354B9}"/>
+                  <a16:creationId xmlns="" xmlns:a16="http://schemas.microsoft.com/office/drawing/2014/main" id="{19CC8FB2-1E61-4602-B000-414EB78354B9}"/>
                 </a:ext>
               </a:extLst>
             </p:cNvPr>
@@ -6272,7 +6272,7 @@
           <p:cNvPr id="131" name="직선 연결선 130">
             <a:extLst>
               <a:ext uri="{FF2B5EF4-FFF2-40B4-BE49-F238E27FC236}">
-                <a16:creationId xmlns:a16="http://schemas.microsoft.com/office/drawing/2014/main" xmlns="" id="{BC5BC39A-17D1-4533-B66F-9EF198A86BA5}"/>
+                <a16:creationId xmlns="" xmlns:a16="http://schemas.microsoft.com/office/drawing/2014/main" id="{BC5BC39A-17D1-4533-B66F-9EF198A86BA5}"/>
               </a:ext>
             </a:extLst>
           </p:cNvPr>
@@ -6316,7 +6316,7 @@
           <p:cNvPr id="132" name="직선 연결선 131">
             <a:extLst>
               <a:ext uri="{FF2B5EF4-FFF2-40B4-BE49-F238E27FC236}">
-                <a16:creationId xmlns:a16="http://schemas.microsoft.com/office/drawing/2014/main" xmlns="" id="{362623FC-7704-4779-ADA0-1298FA583622}"/>
+                <a16:creationId xmlns="" xmlns:a16="http://schemas.microsoft.com/office/drawing/2014/main" id="{362623FC-7704-4779-ADA0-1298FA583622}"/>
               </a:ext>
             </a:extLst>
           </p:cNvPr>
@@ -6360,7 +6360,7 @@
           <p:cNvPr id="133" name="직선 연결선 132">
             <a:extLst>
               <a:ext uri="{FF2B5EF4-FFF2-40B4-BE49-F238E27FC236}">
-                <a16:creationId xmlns:a16="http://schemas.microsoft.com/office/drawing/2014/main" xmlns="" id="{B1FEDD81-BBFA-4124-B671-4709FDFAFB9E}"/>
+                <a16:creationId xmlns="" xmlns:a16="http://schemas.microsoft.com/office/drawing/2014/main" id="{B1FEDD81-BBFA-4124-B671-4709FDFAFB9E}"/>
               </a:ext>
             </a:extLst>
           </p:cNvPr>
@@ -6404,7 +6404,7 @@
           <p:cNvPr id="134" name="직선 연결선 133">
             <a:extLst>
               <a:ext uri="{FF2B5EF4-FFF2-40B4-BE49-F238E27FC236}">
-                <a16:creationId xmlns:a16="http://schemas.microsoft.com/office/drawing/2014/main" xmlns="" id="{4D864B81-8DAA-4F74-8437-FA95CE88FD49}"/>
+                <a16:creationId xmlns="" xmlns:a16="http://schemas.microsoft.com/office/drawing/2014/main" id="{4D864B81-8DAA-4F74-8437-FA95CE88FD49}"/>
               </a:ext>
             </a:extLst>
           </p:cNvPr>
@@ -6448,7 +6448,7 @@
           <p:cNvPr id="138" name="직선 연결선 137">
             <a:extLst>
               <a:ext uri="{FF2B5EF4-FFF2-40B4-BE49-F238E27FC236}">
-                <a16:creationId xmlns:a16="http://schemas.microsoft.com/office/drawing/2014/main" xmlns="" id="{55ADA710-B0C4-4781-A9EC-88AE7274E1ED}"/>
+                <a16:creationId xmlns="" xmlns:a16="http://schemas.microsoft.com/office/drawing/2014/main" id="{55ADA710-B0C4-4781-A9EC-88AE7274E1ED}"/>
               </a:ext>
             </a:extLst>
           </p:cNvPr>
@@ -6490,7 +6490,7 @@
           <p:cNvPr id="139" name="직선 연결선 138">
             <a:extLst>
               <a:ext uri="{FF2B5EF4-FFF2-40B4-BE49-F238E27FC236}">
-                <a16:creationId xmlns:a16="http://schemas.microsoft.com/office/drawing/2014/main" xmlns="" id="{56CA7BFE-EAB5-425C-97E2-32E61AAEFA0F}"/>
+                <a16:creationId xmlns="" xmlns:a16="http://schemas.microsoft.com/office/drawing/2014/main" id="{56CA7BFE-EAB5-425C-97E2-32E61AAEFA0F}"/>
               </a:ext>
             </a:extLst>
           </p:cNvPr>
@@ -6532,7 +6532,7 @@
           <p:cNvPr id="140" name="직선 연결선 139">
             <a:extLst>
               <a:ext uri="{FF2B5EF4-FFF2-40B4-BE49-F238E27FC236}">
-                <a16:creationId xmlns:a16="http://schemas.microsoft.com/office/drawing/2014/main" xmlns="" id="{7D52FA3E-B90C-43DB-B856-5BF225DF69F2}"/>
+                <a16:creationId xmlns="" xmlns:a16="http://schemas.microsoft.com/office/drawing/2014/main" id="{7D52FA3E-B90C-43DB-B856-5BF225DF69F2}"/>
               </a:ext>
             </a:extLst>
           </p:cNvPr>
@@ -6574,7 +6574,7 @@
           <p:cNvPr id="175" name="직선 연결선 174">
             <a:extLst>
               <a:ext uri="{FF2B5EF4-FFF2-40B4-BE49-F238E27FC236}">
-                <a16:creationId xmlns:a16="http://schemas.microsoft.com/office/drawing/2014/main" xmlns="" id="{99A332D0-CEA0-4F35-83C3-5777550D64F0}"/>
+                <a16:creationId xmlns="" xmlns:a16="http://schemas.microsoft.com/office/drawing/2014/main" id="{99A332D0-CEA0-4F35-83C3-5777550D64F0}"/>
               </a:ext>
             </a:extLst>
           </p:cNvPr>
@@ -6630,7 +6630,7 @@
   </p:timing>
   <p:extLst mod="1">
     <p:ext uri="{DCECCB84-F9BA-43D5-87BE-67443E8EF086}">
-      <p15:sldGuideLst xmlns:p15="http://schemas.microsoft.com/office/powerpoint/2012/main" xmlns="">
+      <p15:sldGuideLst xmlns="" xmlns:p15="http://schemas.microsoft.com/office/powerpoint/2012/main">
         <p15:guide id="1" orient="horz" pos="2160">
           <p15:clr>
             <a:srgbClr val="FBAE40"/>
@@ -9247,7 +9247,7 @@
   </p:timing>
   <p:extLst mod="1">
     <p:ext uri="{DCECCB84-F9BA-43D5-87BE-67443E8EF086}">
-      <p15:sldGuideLst xmlns:p15="http://schemas.microsoft.com/office/powerpoint/2012/main" xmlns="">
+      <p15:sldGuideLst xmlns="" xmlns:p15="http://schemas.microsoft.com/office/powerpoint/2012/main">
         <p15:guide id="1" orient="horz" pos="2160">
           <p15:clr>
             <a:srgbClr val="FBAE40"/>
@@ -12045,7 +12045,7 @@
           <p:cNvPr id="30" name="Rectangle 4">
             <a:extLst>
               <a:ext uri="{FF2B5EF4-FFF2-40B4-BE49-F238E27FC236}">
-                <a16:creationId xmlns:a16="http://schemas.microsoft.com/office/drawing/2014/main" xmlns="" id="{A354C364-72FA-4BEF-B66F-A49041CBEAB0}"/>
+                <a16:creationId xmlns="" xmlns:a16="http://schemas.microsoft.com/office/drawing/2014/main" id="{A354C364-72FA-4BEF-B66F-A49041CBEAB0}"/>
               </a:ext>
             </a:extLst>
           </p:cNvPr>
@@ -12224,7 +12224,7 @@
           <p:cNvPr id="33" name="직사각형 32">
             <a:extLst>
               <a:ext uri="{FF2B5EF4-FFF2-40B4-BE49-F238E27FC236}">
-                <a16:creationId xmlns:a16="http://schemas.microsoft.com/office/drawing/2014/main" xmlns="" id="{F1BC7864-D7DA-4F60-994D-4A5A278D2108}"/>
+                <a16:creationId xmlns="" xmlns:a16="http://schemas.microsoft.com/office/drawing/2014/main" id="{F1BC7864-D7DA-4F60-994D-4A5A278D2108}"/>
               </a:ext>
             </a:extLst>
           </p:cNvPr>
@@ -12274,7 +12274,7 @@
           <p:cNvPr id="9" name="직선 연결선 8">
             <a:extLst>
               <a:ext uri="{FF2B5EF4-FFF2-40B4-BE49-F238E27FC236}">
-                <a16:creationId xmlns:a16="http://schemas.microsoft.com/office/drawing/2014/main" xmlns="" id="{E1E5FCB8-ABDB-42EA-A686-3BF04F86CA3E}"/>
+                <a16:creationId xmlns="" xmlns:a16="http://schemas.microsoft.com/office/drawing/2014/main" id="{E1E5FCB8-ABDB-42EA-A686-3BF04F86CA3E}"/>
               </a:ext>
             </a:extLst>
           </p:cNvPr>
@@ -12321,7 +12321,7 @@
           <p:cNvPr id="36" name="Rectangle 4">
             <a:extLst>
               <a:ext uri="{FF2B5EF4-FFF2-40B4-BE49-F238E27FC236}">
-                <a16:creationId xmlns:a16="http://schemas.microsoft.com/office/drawing/2014/main" xmlns="" id="{DC0BE4C7-D2F5-4141-B22E-07F8A8C9B133}"/>
+                <a16:creationId xmlns="" xmlns:a16="http://schemas.microsoft.com/office/drawing/2014/main" id="{DC0BE4C7-D2F5-4141-B22E-07F8A8C9B133}"/>
               </a:ext>
             </a:extLst>
           </p:cNvPr>
@@ -12476,7 +12476,7 @@
           <p:cNvPr id="11" name="그룹 10">
             <a:extLst>
               <a:ext uri="{FF2B5EF4-FFF2-40B4-BE49-F238E27FC236}">
-                <a16:creationId xmlns:a16="http://schemas.microsoft.com/office/drawing/2014/main" xmlns="" id="{3B7CE2EC-53E6-470A-8232-012762E1DFFB}"/>
+                <a16:creationId xmlns="" xmlns:a16="http://schemas.microsoft.com/office/drawing/2014/main" id="{3B7CE2EC-53E6-470A-8232-012762E1DFFB}"/>
               </a:ext>
             </a:extLst>
           </p:cNvPr>
@@ -12496,7 +12496,7 @@
             <p:cNvPr id="43" name="Rectangle 4">
               <a:extLst>
                 <a:ext uri="{FF2B5EF4-FFF2-40B4-BE49-F238E27FC236}">
-                  <a16:creationId xmlns:a16="http://schemas.microsoft.com/office/drawing/2014/main" xmlns="" id="{CE516907-0F15-4B13-8A2E-D6085F5F91A8}"/>
+                  <a16:creationId xmlns="" xmlns:a16="http://schemas.microsoft.com/office/drawing/2014/main" id="{CE516907-0F15-4B13-8A2E-D6085F5F91A8}"/>
                 </a:ext>
               </a:extLst>
             </p:cNvPr>
@@ -12660,7 +12660,7 @@
             <p:cNvPr id="44" name="Rectangle 8">
               <a:extLst>
                 <a:ext uri="{FF2B5EF4-FFF2-40B4-BE49-F238E27FC236}">
-                  <a16:creationId xmlns:a16="http://schemas.microsoft.com/office/drawing/2014/main" xmlns="" id="{646B3543-85C2-44C8-BDA2-0BE10D24D8FC}"/>
+                  <a16:creationId xmlns="" xmlns:a16="http://schemas.microsoft.com/office/drawing/2014/main" id="{646B3543-85C2-44C8-BDA2-0BE10D24D8FC}"/>
                 </a:ext>
               </a:extLst>
             </p:cNvPr>
@@ -12856,7 +12856,7 @@
             <p:cNvPr id="45" name="Line 12">
               <a:extLst>
                 <a:ext uri="{FF2B5EF4-FFF2-40B4-BE49-F238E27FC236}">
-                  <a16:creationId xmlns:a16="http://schemas.microsoft.com/office/drawing/2014/main" xmlns="" id="{86AA46B7-A34B-49BD-B4BF-81FABB5974C6}"/>
+                  <a16:creationId xmlns="" xmlns:a16="http://schemas.microsoft.com/office/drawing/2014/main" id="{86AA46B7-A34B-49BD-B4BF-81FABB5974C6}"/>
                 </a:ext>
               </a:extLst>
             </p:cNvPr>
@@ -12907,7 +12907,7 @@
             <p:cNvPr id="47" name="직사각형 46">
               <a:extLst>
                 <a:ext uri="{FF2B5EF4-FFF2-40B4-BE49-F238E27FC236}">
-                  <a16:creationId xmlns:a16="http://schemas.microsoft.com/office/drawing/2014/main" xmlns="" id="{048A2326-9874-4BDA-8790-8F9E18B9D8DD}"/>
+                  <a16:creationId xmlns="" xmlns:a16="http://schemas.microsoft.com/office/drawing/2014/main" id="{048A2326-9874-4BDA-8790-8F9E18B9D8DD}"/>
                 </a:ext>
               </a:extLst>
             </p:cNvPr>
@@ -12956,7 +12956,7 @@
             <p:cNvPr id="48" name="Line 11">
               <a:extLst>
                 <a:ext uri="{FF2B5EF4-FFF2-40B4-BE49-F238E27FC236}">
-                  <a16:creationId xmlns:a16="http://schemas.microsoft.com/office/drawing/2014/main" xmlns="" id="{84375FDA-38D6-40D5-AF8B-2F2B4FA8732E}"/>
+                  <a16:creationId xmlns="" xmlns:a16="http://schemas.microsoft.com/office/drawing/2014/main" id="{84375FDA-38D6-40D5-AF8B-2F2B4FA8732E}"/>
                 </a:ext>
               </a:extLst>
             </p:cNvPr>
@@ -13008,7 +13008,7 @@
           <p:cNvPr id="71" name="그룹 70">
             <a:extLst>
               <a:ext uri="{FF2B5EF4-FFF2-40B4-BE49-F238E27FC236}">
-                <a16:creationId xmlns:a16="http://schemas.microsoft.com/office/drawing/2014/main" xmlns="" id="{3D9A9A81-96D0-4D03-87F4-83153F9519D7}"/>
+                <a16:creationId xmlns="" xmlns:a16="http://schemas.microsoft.com/office/drawing/2014/main" id="{3D9A9A81-96D0-4D03-87F4-83153F9519D7}"/>
               </a:ext>
             </a:extLst>
           </p:cNvPr>
@@ -13028,7 +13028,7 @@
             <p:cNvPr id="51" name="Rectangle 4">
               <a:extLst>
                 <a:ext uri="{FF2B5EF4-FFF2-40B4-BE49-F238E27FC236}">
-                  <a16:creationId xmlns:a16="http://schemas.microsoft.com/office/drawing/2014/main" xmlns="" id="{6BEB7A40-F9AF-42A8-8706-C4AFF8BB6BC5}"/>
+                  <a16:creationId xmlns="" xmlns:a16="http://schemas.microsoft.com/office/drawing/2014/main" id="{6BEB7A40-F9AF-42A8-8706-C4AFF8BB6BC5}"/>
                 </a:ext>
               </a:extLst>
             </p:cNvPr>
@@ -13192,7 +13192,7 @@
             <p:cNvPr id="52" name="Rectangle 8">
               <a:extLst>
                 <a:ext uri="{FF2B5EF4-FFF2-40B4-BE49-F238E27FC236}">
-                  <a16:creationId xmlns:a16="http://schemas.microsoft.com/office/drawing/2014/main" xmlns="" id="{19B58B6A-5506-4150-BC74-B6D9118C935C}"/>
+                  <a16:creationId xmlns="" xmlns:a16="http://schemas.microsoft.com/office/drawing/2014/main" id="{19B58B6A-5506-4150-BC74-B6D9118C935C}"/>
                 </a:ext>
               </a:extLst>
             </p:cNvPr>
@@ -13388,7 +13388,7 @@
             <p:cNvPr id="53" name="Line 12">
               <a:extLst>
                 <a:ext uri="{FF2B5EF4-FFF2-40B4-BE49-F238E27FC236}">
-                  <a16:creationId xmlns:a16="http://schemas.microsoft.com/office/drawing/2014/main" xmlns="" id="{CDA0F9BA-97B0-497B-BE6A-36A1C758E1F0}"/>
+                  <a16:creationId xmlns="" xmlns:a16="http://schemas.microsoft.com/office/drawing/2014/main" id="{CDA0F9BA-97B0-497B-BE6A-36A1C758E1F0}"/>
                 </a:ext>
               </a:extLst>
             </p:cNvPr>
@@ -13439,7 +13439,7 @@
             <p:cNvPr id="55" name="직사각형 54">
               <a:extLst>
                 <a:ext uri="{FF2B5EF4-FFF2-40B4-BE49-F238E27FC236}">
-                  <a16:creationId xmlns:a16="http://schemas.microsoft.com/office/drawing/2014/main" xmlns="" id="{85B71F9A-4B1C-4CB3-B2BE-0821FD1F256D}"/>
+                  <a16:creationId xmlns="" xmlns:a16="http://schemas.microsoft.com/office/drawing/2014/main" id="{85B71F9A-4B1C-4CB3-B2BE-0821FD1F256D}"/>
                 </a:ext>
               </a:extLst>
             </p:cNvPr>
@@ -13488,7 +13488,7 @@
             <p:cNvPr id="56" name="Line 11">
               <a:extLst>
                 <a:ext uri="{FF2B5EF4-FFF2-40B4-BE49-F238E27FC236}">
-                  <a16:creationId xmlns:a16="http://schemas.microsoft.com/office/drawing/2014/main" xmlns="" id="{27EC7B13-C51D-4F9C-A1C1-5C99B78355D9}"/>
+                  <a16:creationId xmlns="" xmlns:a16="http://schemas.microsoft.com/office/drawing/2014/main" id="{27EC7B13-C51D-4F9C-A1C1-5C99B78355D9}"/>
                 </a:ext>
               </a:extLst>
             </p:cNvPr>
@@ -13540,7 +13540,7 @@
           <p:cNvPr id="72" name="그룹 71">
             <a:extLst>
               <a:ext uri="{FF2B5EF4-FFF2-40B4-BE49-F238E27FC236}">
-                <a16:creationId xmlns:a16="http://schemas.microsoft.com/office/drawing/2014/main" xmlns="" id="{7B6E76A7-10DE-47C3-A1F6-AB3026AC09B5}"/>
+                <a16:creationId xmlns="" xmlns:a16="http://schemas.microsoft.com/office/drawing/2014/main" id="{7B6E76A7-10DE-47C3-A1F6-AB3026AC09B5}"/>
               </a:ext>
             </a:extLst>
           </p:cNvPr>
@@ -13560,7 +13560,7 @@
             <p:cNvPr id="59" name="Rectangle 4">
               <a:extLst>
                 <a:ext uri="{FF2B5EF4-FFF2-40B4-BE49-F238E27FC236}">
-                  <a16:creationId xmlns:a16="http://schemas.microsoft.com/office/drawing/2014/main" xmlns="" id="{878B1F39-225D-48CD-97A3-7E09DA6A7793}"/>
+                  <a16:creationId xmlns="" xmlns:a16="http://schemas.microsoft.com/office/drawing/2014/main" id="{878B1F39-225D-48CD-97A3-7E09DA6A7793}"/>
                 </a:ext>
               </a:extLst>
             </p:cNvPr>
@@ -13724,7 +13724,7 @@
             <p:cNvPr id="60" name="Rectangle 8">
               <a:extLst>
                 <a:ext uri="{FF2B5EF4-FFF2-40B4-BE49-F238E27FC236}">
-                  <a16:creationId xmlns:a16="http://schemas.microsoft.com/office/drawing/2014/main" xmlns="" id="{101E34F6-5583-41AA-811A-64A63E24D38E}"/>
+                  <a16:creationId xmlns="" xmlns:a16="http://schemas.microsoft.com/office/drawing/2014/main" id="{101E34F6-5583-41AA-811A-64A63E24D38E}"/>
                 </a:ext>
               </a:extLst>
             </p:cNvPr>
@@ -13920,7 +13920,7 @@
             <p:cNvPr id="61" name="Line 12">
               <a:extLst>
                 <a:ext uri="{FF2B5EF4-FFF2-40B4-BE49-F238E27FC236}">
-                  <a16:creationId xmlns:a16="http://schemas.microsoft.com/office/drawing/2014/main" xmlns="" id="{C2FE9C50-445A-499D-8B4C-3B0BA77AAB9D}"/>
+                  <a16:creationId xmlns="" xmlns:a16="http://schemas.microsoft.com/office/drawing/2014/main" id="{C2FE9C50-445A-499D-8B4C-3B0BA77AAB9D}"/>
                 </a:ext>
               </a:extLst>
             </p:cNvPr>
@@ -13971,7 +13971,7 @@
             <p:cNvPr id="63" name="직사각형 62">
               <a:extLst>
                 <a:ext uri="{FF2B5EF4-FFF2-40B4-BE49-F238E27FC236}">
-                  <a16:creationId xmlns:a16="http://schemas.microsoft.com/office/drawing/2014/main" xmlns="" id="{43BD6488-338B-4826-840C-7FF6DF0A750B}"/>
+                  <a16:creationId xmlns="" xmlns:a16="http://schemas.microsoft.com/office/drawing/2014/main" id="{43BD6488-338B-4826-840C-7FF6DF0A750B}"/>
                 </a:ext>
               </a:extLst>
             </p:cNvPr>
@@ -14020,7 +14020,7 @@
             <p:cNvPr id="64" name="Line 11">
               <a:extLst>
                 <a:ext uri="{FF2B5EF4-FFF2-40B4-BE49-F238E27FC236}">
-                  <a16:creationId xmlns:a16="http://schemas.microsoft.com/office/drawing/2014/main" xmlns="" id="{186E9E10-3620-4664-B573-62C07FF94D09}"/>
+                  <a16:creationId xmlns="" xmlns:a16="http://schemas.microsoft.com/office/drawing/2014/main" id="{186E9E10-3620-4664-B573-62C07FF94D09}"/>
                 </a:ext>
               </a:extLst>
             </p:cNvPr>
@@ -14072,7 +14072,7 @@
           <p:cNvPr id="46" name="Text Box 5">
             <a:extLst>
               <a:ext uri="{FF2B5EF4-FFF2-40B4-BE49-F238E27FC236}">
-                <a16:creationId xmlns:a16="http://schemas.microsoft.com/office/drawing/2014/main" xmlns="" id="{6342A011-5733-40EC-9BCB-CE60618E00FF}"/>
+                <a16:creationId xmlns="" xmlns:a16="http://schemas.microsoft.com/office/drawing/2014/main" id="{6342A011-5733-40EC-9BCB-CE60618E00FF}"/>
               </a:ext>
             </a:extLst>
           </p:cNvPr>
@@ -14249,7 +14249,7 @@
           <p:cNvPr id="49" name="Rectangle 4">
             <a:extLst>
               <a:ext uri="{FF2B5EF4-FFF2-40B4-BE49-F238E27FC236}">
-                <a16:creationId xmlns:a16="http://schemas.microsoft.com/office/drawing/2014/main" xmlns="" id="{80F957C9-6C97-4860-AC48-A8F51945EAAE}"/>
+                <a16:creationId xmlns="" xmlns:a16="http://schemas.microsoft.com/office/drawing/2014/main" id="{80F957C9-6C97-4860-AC48-A8F51945EAAE}"/>
               </a:ext>
             </a:extLst>
           </p:cNvPr>
@@ -14428,7 +14428,7 @@
           <p:cNvPr id="50" name="직사각형 49">
             <a:extLst>
               <a:ext uri="{FF2B5EF4-FFF2-40B4-BE49-F238E27FC236}">
-                <a16:creationId xmlns:a16="http://schemas.microsoft.com/office/drawing/2014/main" xmlns="" id="{59EF473A-EEFE-4A2C-9D78-3D3CB4A5174D}"/>
+                <a16:creationId xmlns="" xmlns:a16="http://schemas.microsoft.com/office/drawing/2014/main" id="{59EF473A-EEFE-4A2C-9D78-3D3CB4A5174D}"/>
               </a:ext>
             </a:extLst>
           </p:cNvPr>
@@ -14478,7 +14478,7 @@
           <p:cNvPr id="54" name="직선 연결선 53">
             <a:extLst>
               <a:ext uri="{FF2B5EF4-FFF2-40B4-BE49-F238E27FC236}">
-                <a16:creationId xmlns:a16="http://schemas.microsoft.com/office/drawing/2014/main" xmlns="" id="{C88C7FAA-EB25-4658-A3C3-733ED9734DAE}"/>
+                <a16:creationId xmlns="" xmlns:a16="http://schemas.microsoft.com/office/drawing/2014/main" id="{C88C7FAA-EB25-4658-A3C3-733ED9734DAE}"/>
               </a:ext>
             </a:extLst>
           </p:cNvPr>
@@ -14525,7 +14525,7 @@
           <p:cNvPr id="31" name="직사각형 30">
             <a:extLst>
               <a:ext uri="{FF2B5EF4-FFF2-40B4-BE49-F238E27FC236}">
-                <a16:creationId xmlns:a16="http://schemas.microsoft.com/office/drawing/2014/main" xmlns="" id="{2E224116-DD94-4926-B84F-2791B5BAFFF6}"/>
+                <a16:creationId xmlns="" xmlns:a16="http://schemas.microsoft.com/office/drawing/2014/main" id="{2E224116-DD94-4926-B84F-2791B5BAFFF6}"/>
               </a:ext>
             </a:extLst>
           </p:cNvPr>
@@ -14608,7 +14608,7 @@
           <p:cNvPr id="32" name="직사각형 31">
             <a:extLst>
               <a:ext uri="{FF2B5EF4-FFF2-40B4-BE49-F238E27FC236}">
-                <a16:creationId xmlns:a16="http://schemas.microsoft.com/office/drawing/2014/main" xmlns="" id="{8C7EB0E4-F296-414A-8F83-74701631FE69}"/>
+                <a16:creationId xmlns="" xmlns:a16="http://schemas.microsoft.com/office/drawing/2014/main" id="{8C7EB0E4-F296-414A-8F83-74701631FE69}"/>
               </a:ext>
             </a:extLst>
           </p:cNvPr>
@@ -14667,7 +14667,7 @@
           <p:cNvPr id="34" name="직사각형 33">
             <a:extLst>
               <a:ext uri="{FF2B5EF4-FFF2-40B4-BE49-F238E27FC236}">
-                <a16:creationId xmlns:a16="http://schemas.microsoft.com/office/drawing/2014/main" xmlns="" id="{0A09DE74-38FC-4410-A465-280A06A4E974}"/>
+                <a16:creationId xmlns="" xmlns:a16="http://schemas.microsoft.com/office/drawing/2014/main" id="{0A09DE74-38FC-4410-A465-280A06A4E974}"/>
               </a:ext>
             </a:extLst>
           </p:cNvPr>
@@ -14726,7 +14726,7 @@
           <p:cNvPr id="35" name="직사각형 34">
             <a:extLst>
               <a:ext uri="{FF2B5EF4-FFF2-40B4-BE49-F238E27FC236}">
-                <a16:creationId xmlns:a16="http://schemas.microsoft.com/office/drawing/2014/main" xmlns="" id="{FB36983A-DE82-48AB-8844-4112237DB353}"/>
+                <a16:creationId xmlns="" xmlns:a16="http://schemas.microsoft.com/office/drawing/2014/main" id="{FB36983A-DE82-48AB-8844-4112237DB353}"/>
               </a:ext>
             </a:extLst>
           </p:cNvPr>
@@ -14785,7 +14785,7 @@
           <p:cNvPr id="37" name="직사각형 36">
             <a:extLst>
               <a:ext uri="{FF2B5EF4-FFF2-40B4-BE49-F238E27FC236}">
-                <a16:creationId xmlns:a16="http://schemas.microsoft.com/office/drawing/2014/main" xmlns="" id="{B5F4FBD3-A523-4123-BD61-A2E79EA3F893}"/>
+                <a16:creationId xmlns="" xmlns:a16="http://schemas.microsoft.com/office/drawing/2014/main" id="{B5F4FBD3-A523-4123-BD61-A2E79EA3F893}"/>
               </a:ext>
             </a:extLst>
           </p:cNvPr>
@@ -14868,7 +14868,7 @@
           <p:cNvPr id="38" name="직사각형 37">
             <a:extLst>
               <a:ext uri="{FF2B5EF4-FFF2-40B4-BE49-F238E27FC236}">
-                <a16:creationId xmlns:a16="http://schemas.microsoft.com/office/drawing/2014/main" xmlns="" id="{632E3410-F148-4D13-A855-CC052DD9B900}"/>
+                <a16:creationId xmlns="" xmlns:a16="http://schemas.microsoft.com/office/drawing/2014/main" id="{632E3410-F148-4D13-A855-CC052DD9B900}"/>
               </a:ext>
             </a:extLst>
           </p:cNvPr>
@@ -14951,7 +14951,7 @@
           <p:cNvPr id="39" name="그룹 38">
             <a:extLst>
               <a:ext uri="{FF2B5EF4-FFF2-40B4-BE49-F238E27FC236}">
-                <a16:creationId xmlns:a16="http://schemas.microsoft.com/office/drawing/2014/main" xmlns="" id="{2FBF220C-B176-46A3-9901-9B34C50BFE42}"/>
+                <a16:creationId xmlns="" xmlns:a16="http://schemas.microsoft.com/office/drawing/2014/main" id="{2FBF220C-B176-46A3-9901-9B34C50BFE42}"/>
               </a:ext>
             </a:extLst>
           </p:cNvPr>
@@ -14971,7 +14971,7 @@
             <p:cNvPr id="40" name="직선 연결선 39">
               <a:extLst>
                 <a:ext uri="{FF2B5EF4-FFF2-40B4-BE49-F238E27FC236}">
-                  <a16:creationId xmlns:a16="http://schemas.microsoft.com/office/drawing/2014/main" xmlns="" id="{85235EF9-5931-487A-A326-E21063BB4D9F}"/>
+                  <a16:creationId xmlns="" xmlns:a16="http://schemas.microsoft.com/office/drawing/2014/main" id="{85235EF9-5931-487A-A326-E21063BB4D9F}"/>
                 </a:ext>
               </a:extLst>
             </p:cNvPr>
@@ -15015,7 +15015,7 @@
             <p:cNvPr id="41" name="직선 연결선 40">
               <a:extLst>
                 <a:ext uri="{FF2B5EF4-FFF2-40B4-BE49-F238E27FC236}">
-                  <a16:creationId xmlns:a16="http://schemas.microsoft.com/office/drawing/2014/main" xmlns="" id="{EB314246-95D0-40E9-8B9D-B936761AB4B9}"/>
+                  <a16:creationId xmlns="" xmlns:a16="http://schemas.microsoft.com/office/drawing/2014/main" id="{EB314246-95D0-40E9-8B9D-B936761AB4B9}"/>
                 </a:ext>
               </a:extLst>
             </p:cNvPr>
@@ -15060,7 +15060,7 @@
           <p:cNvPr id="42" name="그룹 41">
             <a:extLst>
               <a:ext uri="{FF2B5EF4-FFF2-40B4-BE49-F238E27FC236}">
-                <a16:creationId xmlns:a16="http://schemas.microsoft.com/office/drawing/2014/main" xmlns="" id="{ABB59181-75D5-42E6-B9F6-8F97D087FDEC}"/>
+                <a16:creationId xmlns="" xmlns:a16="http://schemas.microsoft.com/office/drawing/2014/main" id="{ABB59181-75D5-42E6-B9F6-8F97D087FDEC}"/>
               </a:ext>
             </a:extLst>
           </p:cNvPr>
@@ -15080,7 +15080,7 @@
             <p:cNvPr id="57" name="직선 연결선 56">
               <a:extLst>
                 <a:ext uri="{FF2B5EF4-FFF2-40B4-BE49-F238E27FC236}">
-                  <a16:creationId xmlns:a16="http://schemas.microsoft.com/office/drawing/2014/main" xmlns="" id="{FF81023C-6246-4930-B565-7527D0749852}"/>
+                  <a16:creationId xmlns="" xmlns:a16="http://schemas.microsoft.com/office/drawing/2014/main" id="{FF81023C-6246-4930-B565-7527D0749852}"/>
                 </a:ext>
               </a:extLst>
             </p:cNvPr>
@@ -15124,7 +15124,7 @@
             <p:cNvPr id="58" name="직선 연결선 57">
               <a:extLst>
                 <a:ext uri="{FF2B5EF4-FFF2-40B4-BE49-F238E27FC236}">
-                  <a16:creationId xmlns:a16="http://schemas.microsoft.com/office/drawing/2014/main" xmlns="" id="{EE811045-6102-4B20-9D80-C7AB38D4F1B9}"/>
+                  <a16:creationId xmlns="" xmlns:a16="http://schemas.microsoft.com/office/drawing/2014/main" id="{EE811045-6102-4B20-9D80-C7AB38D4F1B9}"/>
                 </a:ext>
               </a:extLst>
             </p:cNvPr>
@@ -15169,7 +15169,7 @@
           <p:cNvPr id="62" name="그룹 61">
             <a:extLst>
               <a:ext uri="{FF2B5EF4-FFF2-40B4-BE49-F238E27FC236}">
-                <a16:creationId xmlns:a16="http://schemas.microsoft.com/office/drawing/2014/main" xmlns="" id="{966345E7-679A-4C79-BE27-6E098CFBB744}"/>
+                <a16:creationId xmlns="" xmlns:a16="http://schemas.microsoft.com/office/drawing/2014/main" id="{966345E7-679A-4C79-BE27-6E098CFBB744}"/>
               </a:ext>
             </a:extLst>
           </p:cNvPr>
@@ -15189,7 +15189,7 @@
             <p:cNvPr id="65" name="직선 연결선 64">
               <a:extLst>
                 <a:ext uri="{FF2B5EF4-FFF2-40B4-BE49-F238E27FC236}">
-                  <a16:creationId xmlns:a16="http://schemas.microsoft.com/office/drawing/2014/main" xmlns="" id="{8922463E-FA65-4A25-8413-CAEFEBE56D76}"/>
+                  <a16:creationId xmlns="" xmlns:a16="http://schemas.microsoft.com/office/drawing/2014/main" id="{8922463E-FA65-4A25-8413-CAEFEBE56D76}"/>
                 </a:ext>
               </a:extLst>
             </p:cNvPr>
@@ -15233,7 +15233,7 @@
             <p:cNvPr id="66" name="직선 연결선 65">
               <a:extLst>
                 <a:ext uri="{FF2B5EF4-FFF2-40B4-BE49-F238E27FC236}">
-                  <a16:creationId xmlns:a16="http://schemas.microsoft.com/office/drawing/2014/main" xmlns="" id="{0CB9E3B3-D0F2-4244-808C-6FB444423093}"/>
+                  <a16:creationId xmlns="" xmlns:a16="http://schemas.microsoft.com/office/drawing/2014/main" id="{0CB9E3B3-D0F2-4244-808C-6FB444423093}"/>
                 </a:ext>
               </a:extLst>
             </p:cNvPr>
@@ -15278,7 +15278,7 @@
           <p:cNvPr id="70" name="그룹 69">
             <a:extLst>
               <a:ext uri="{FF2B5EF4-FFF2-40B4-BE49-F238E27FC236}">
-                <a16:creationId xmlns:a16="http://schemas.microsoft.com/office/drawing/2014/main" xmlns="" id="{00F7E167-7242-46EC-8F4F-B59ABC7B0B10}"/>
+                <a16:creationId xmlns="" xmlns:a16="http://schemas.microsoft.com/office/drawing/2014/main" id="{00F7E167-7242-46EC-8F4F-B59ABC7B0B10}"/>
               </a:ext>
             </a:extLst>
           </p:cNvPr>
@@ -15298,7 +15298,7 @@
             <p:cNvPr id="73" name="직선 연결선 72">
               <a:extLst>
                 <a:ext uri="{FF2B5EF4-FFF2-40B4-BE49-F238E27FC236}">
-                  <a16:creationId xmlns:a16="http://schemas.microsoft.com/office/drawing/2014/main" xmlns="" id="{73F6A111-A5C4-44AB-B936-798FA95C421C}"/>
+                  <a16:creationId xmlns="" xmlns:a16="http://schemas.microsoft.com/office/drawing/2014/main" id="{73F6A111-A5C4-44AB-B936-798FA95C421C}"/>
                 </a:ext>
               </a:extLst>
             </p:cNvPr>
@@ -15342,7 +15342,7 @@
             <p:cNvPr id="74" name="직선 연결선 73">
               <a:extLst>
                 <a:ext uri="{FF2B5EF4-FFF2-40B4-BE49-F238E27FC236}">
-                  <a16:creationId xmlns:a16="http://schemas.microsoft.com/office/drawing/2014/main" xmlns="" id="{86CC0CE5-C0BE-40B8-955F-669782894098}"/>
+                  <a16:creationId xmlns="" xmlns:a16="http://schemas.microsoft.com/office/drawing/2014/main" id="{86CC0CE5-C0BE-40B8-955F-669782894098}"/>
                 </a:ext>
               </a:extLst>
             </p:cNvPr>
@@ -15387,7 +15387,7 @@
           <p:cNvPr id="75" name="그룹 74">
             <a:extLst>
               <a:ext uri="{FF2B5EF4-FFF2-40B4-BE49-F238E27FC236}">
-                <a16:creationId xmlns:a16="http://schemas.microsoft.com/office/drawing/2014/main" xmlns="" id="{5E2502A5-3133-44AF-A274-80C966C06D5A}"/>
+                <a16:creationId xmlns="" xmlns:a16="http://schemas.microsoft.com/office/drawing/2014/main" id="{5E2502A5-3133-44AF-A274-80C966C06D5A}"/>
               </a:ext>
             </a:extLst>
           </p:cNvPr>
@@ -15407,7 +15407,7 @@
             <p:cNvPr id="76" name="직선 연결선 75">
               <a:extLst>
                 <a:ext uri="{FF2B5EF4-FFF2-40B4-BE49-F238E27FC236}">
-                  <a16:creationId xmlns:a16="http://schemas.microsoft.com/office/drawing/2014/main" xmlns="" id="{B2AC3DB2-9E16-4ADD-BEC6-CB0D7D767BAD}"/>
+                  <a16:creationId xmlns="" xmlns:a16="http://schemas.microsoft.com/office/drawing/2014/main" id="{B2AC3DB2-9E16-4ADD-BEC6-CB0D7D767BAD}"/>
                 </a:ext>
               </a:extLst>
             </p:cNvPr>
@@ -15451,7 +15451,7 @@
             <p:cNvPr id="77" name="직선 연결선 76">
               <a:extLst>
                 <a:ext uri="{FF2B5EF4-FFF2-40B4-BE49-F238E27FC236}">
-                  <a16:creationId xmlns:a16="http://schemas.microsoft.com/office/drawing/2014/main" xmlns="" id="{BCD4D29D-D67B-424B-ADFA-02EE5CF40ED3}"/>
+                  <a16:creationId xmlns="" xmlns:a16="http://schemas.microsoft.com/office/drawing/2014/main" id="{BCD4D29D-D67B-424B-ADFA-02EE5CF40ED3}"/>
                 </a:ext>
               </a:extLst>
             </p:cNvPr>
@@ -15496,7 +15496,7 @@
           <p:cNvPr id="78" name="그룹 77">
             <a:extLst>
               <a:ext uri="{FF2B5EF4-FFF2-40B4-BE49-F238E27FC236}">
-                <a16:creationId xmlns:a16="http://schemas.microsoft.com/office/drawing/2014/main" xmlns="" id="{6B0A64C4-E252-46EC-8983-944A171E97D1}"/>
+                <a16:creationId xmlns="" xmlns:a16="http://schemas.microsoft.com/office/drawing/2014/main" id="{6B0A64C4-E252-46EC-8983-944A171E97D1}"/>
               </a:ext>
             </a:extLst>
           </p:cNvPr>
@@ -15516,7 +15516,7 @@
             <p:cNvPr id="79" name="직선 연결선 78">
               <a:extLst>
                 <a:ext uri="{FF2B5EF4-FFF2-40B4-BE49-F238E27FC236}">
-                  <a16:creationId xmlns:a16="http://schemas.microsoft.com/office/drawing/2014/main" xmlns="" id="{F89D53ED-BF2C-4F88-B0D4-D23EC1813760}"/>
+                  <a16:creationId xmlns="" xmlns:a16="http://schemas.microsoft.com/office/drawing/2014/main" id="{F89D53ED-BF2C-4F88-B0D4-D23EC1813760}"/>
                 </a:ext>
               </a:extLst>
             </p:cNvPr>
@@ -15560,7 +15560,7 @@
             <p:cNvPr id="80" name="직선 연결선 79">
               <a:extLst>
                 <a:ext uri="{FF2B5EF4-FFF2-40B4-BE49-F238E27FC236}">
-                  <a16:creationId xmlns:a16="http://schemas.microsoft.com/office/drawing/2014/main" xmlns="" id="{3B072CE0-1377-4A88-8250-99BB66B12000}"/>
+                  <a16:creationId xmlns="" xmlns:a16="http://schemas.microsoft.com/office/drawing/2014/main" id="{3B072CE0-1377-4A88-8250-99BB66B12000}"/>
                 </a:ext>
               </a:extLst>
             </p:cNvPr>
@@ -15605,7 +15605,7 @@
           <p:cNvPr id="81" name="그룹 80">
             <a:extLst>
               <a:ext uri="{FF2B5EF4-FFF2-40B4-BE49-F238E27FC236}">
-                <a16:creationId xmlns:a16="http://schemas.microsoft.com/office/drawing/2014/main" xmlns="" id="{4DC67B2E-FEEF-4737-8F3E-A99C008F7BE6}"/>
+                <a16:creationId xmlns="" xmlns:a16="http://schemas.microsoft.com/office/drawing/2014/main" id="{4DC67B2E-FEEF-4737-8F3E-A99C008F7BE6}"/>
               </a:ext>
             </a:extLst>
           </p:cNvPr>
@@ -15625,7 +15625,7 @@
             <p:cNvPr id="82" name="직선 연결선 81">
               <a:extLst>
                 <a:ext uri="{FF2B5EF4-FFF2-40B4-BE49-F238E27FC236}">
-                  <a16:creationId xmlns:a16="http://schemas.microsoft.com/office/drawing/2014/main" xmlns="" id="{68B4B625-7378-4F03-AD5A-7A2E538F2821}"/>
+                  <a16:creationId xmlns="" xmlns:a16="http://schemas.microsoft.com/office/drawing/2014/main" id="{68B4B625-7378-4F03-AD5A-7A2E538F2821}"/>
                 </a:ext>
               </a:extLst>
             </p:cNvPr>
@@ -15667,7 +15667,7 @@
             <p:cNvPr id="83" name="직선 연결선 82">
               <a:extLst>
                 <a:ext uri="{FF2B5EF4-FFF2-40B4-BE49-F238E27FC236}">
-                  <a16:creationId xmlns:a16="http://schemas.microsoft.com/office/drawing/2014/main" xmlns="" id="{67E32E42-7452-480C-9F7F-32189078C232}"/>
+                  <a16:creationId xmlns="" xmlns:a16="http://schemas.microsoft.com/office/drawing/2014/main" id="{67E32E42-7452-480C-9F7F-32189078C232}"/>
                 </a:ext>
               </a:extLst>
             </p:cNvPr>
@@ -15710,7 +15710,7 @@
           <p:cNvPr id="84" name="그룹 83">
             <a:extLst>
               <a:ext uri="{FF2B5EF4-FFF2-40B4-BE49-F238E27FC236}">
-                <a16:creationId xmlns:a16="http://schemas.microsoft.com/office/drawing/2014/main" xmlns="" id="{50949D53-28CB-4DB4-A1E1-5339B74AC6E0}"/>
+                <a16:creationId xmlns="" xmlns:a16="http://schemas.microsoft.com/office/drawing/2014/main" id="{50949D53-28CB-4DB4-A1E1-5339B74AC6E0}"/>
               </a:ext>
             </a:extLst>
           </p:cNvPr>
@@ -15730,7 +15730,7 @@
             <p:cNvPr id="85" name="직선 연결선 84">
               <a:extLst>
                 <a:ext uri="{FF2B5EF4-FFF2-40B4-BE49-F238E27FC236}">
-                  <a16:creationId xmlns:a16="http://schemas.microsoft.com/office/drawing/2014/main" xmlns="" id="{33013585-3DB1-4FC1-8711-54DFEFE41509}"/>
+                  <a16:creationId xmlns="" xmlns:a16="http://schemas.microsoft.com/office/drawing/2014/main" id="{33013585-3DB1-4FC1-8711-54DFEFE41509}"/>
                 </a:ext>
               </a:extLst>
             </p:cNvPr>
@@ -15772,7 +15772,7 @@
             <p:cNvPr id="86" name="직선 연결선 85">
               <a:extLst>
                 <a:ext uri="{FF2B5EF4-FFF2-40B4-BE49-F238E27FC236}">
-                  <a16:creationId xmlns:a16="http://schemas.microsoft.com/office/drawing/2014/main" xmlns="" id="{B188930F-C13E-483D-AAE2-409FEC828969}"/>
+                  <a16:creationId xmlns="" xmlns:a16="http://schemas.microsoft.com/office/drawing/2014/main" id="{B188930F-C13E-483D-AAE2-409FEC828969}"/>
                 </a:ext>
               </a:extLst>
             </p:cNvPr>
@@ -15815,7 +15815,7 @@
           <p:cNvPr id="87" name="그룹 86">
             <a:extLst>
               <a:ext uri="{FF2B5EF4-FFF2-40B4-BE49-F238E27FC236}">
-                <a16:creationId xmlns:a16="http://schemas.microsoft.com/office/drawing/2014/main" xmlns="" id="{003C4289-49A9-4D29-959C-684F736B330A}"/>
+                <a16:creationId xmlns="" xmlns:a16="http://schemas.microsoft.com/office/drawing/2014/main" id="{003C4289-49A9-4D29-959C-684F736B330A}"/>
               </a:ext>
             </a:extLst>
           </p:cNvPr>
@@ -15835,7 +15835,7 @@
             <p:cNvPr id="88" name="직선 연결선 87">
               <a:extLst>
                 <a:ext uri="{FF2B5EF4-FFF2-40B4-BE49-F238E27FC236}">
-                  <a16:creationId xmlns:a16="http://schemas.microsoft.com/office/drawing/2014/main" xmlns="" id="{F79D013F-B497-47AA-96AC-8B00E34885CC}"/>
+                  <a16:creationId xmlns="" xmlns:a16="http://schemas.microsoft.com/office/drawing/2014/main" id="{F79D013F-B497-47AA-96AC-8B00E34885CC}"/>
                 </a:ext>
               </a:extLst>
             </p:cNvPr>
@@ -15877,7 +15877,7 @@
             <p:cNvPr id="89" name="직선 연결선 88">
               <a:extLst>
                 <a:ext uri="{FF2B5EF4-FFF2-40B4-BE49-F238E27FC236}">
-                  <a16:creationId xmlns:a16="http://schemas.microsoft.com/office/drawing/2014/main" xmlns="" id="{9AA9F114-DB8A-48D0-BC62-B6E0F9F665EA}"/>
+                  <a16:creationId xmlns="" xmlns:a16="http://schemas.microsoft.com/office/drawing/2014/main" id="{9AA9F114-DB8A-48D0-BC62-B6E0F9F665EA}"/>
                 </a:ext>
               </a:extLst>
             </p:cNvPr>
@@ -15920,7 +15920,7 @@
           <p:cNvPr id="90" name="그룹 89">
             <a:extLst>
               <a:ext uri="{FF2B5EF4-FFF2-40B4-BE49-F238E27FC236}">
-                <a16:creationId xmlns:a16="http://schemas.microsoft.com/office/drawing/2014/main" xmlns="" id="{64B95A10-FDEF-4406-8F4D-FCA12E8A5E59}"/>
+                <a16:creationId xmlns="" xmlns:a16="http://schemas.microsoft.com/office/drawing/2014/main" id="{64B95A10-FDEF-4406-8F4D-FCA12E8A5E59}"/>
               </a:ext>
             </a:extLst>
           </p:cNvPr>
@@ -15940,7 +15940,7 @@
             <p:cNvPr id="91" name="직선 연결선 90">
               <a:extLst>
                 <a:ext uri="{FF2B5EF4-FFF2-40B4-BE49-F238E27FC236}">
-                  <a16:creationId xmlns:a16="http://schemas.microsoft.com/office/drawing/2014/main" xmlns="" id="{0D16C320-524E-4051-B15B-D627F8B42139}"/>
+                  <a16:creationId xmlns="" xmlns:a16="http://schemas.microsoft.com/office/drawing/2014/main" id="{0D16C320-524E-4051-B15B-D627F8B42139}"/>
                 </a:ext>
               </a:extLst>
             </p:cNvPr>
@@ -15982,7 +15982,7 @@
             <p:cNvPr id="92" name="직선 연결선 91">
               <a:extLst>
                 <a:ext uri="{FF2B5EF4-FFF2-40B4-BE49-F238E27FC236}">
-                  <a16:creationId xmlns:a16="http://schemas.microsoft.com/office/drawing/2014/main" xmlns="" id="{346EBB89-08A3-46F3-8331-DF5D6B19F61A}"/>
+                  <a16:creationId xmlns="" xmlns:a16="http://schemas.microsoft.com/office/drawing/2014/main" id="{346EBB89-08A3-46F3-8331-DF5D6B19F61A}"/>
                 </a:ext>
               </a:extLst>
             </p:cNvPr>
@@ -16025,7 +16025,7 @@
           <p:cNvPr id="93" name="그룹 92">
             <a:extLst>
               <a:ext uri="{FF2B5EF4-FFF2-40B4-BE49-F238E27FC236}">
-                <a16:creationId xmlns:a16="http://schemas.microsoft.com/office/drawing/2014/main" xmlns="" id="{0A65B4CF-8335-47DF-82A0-1710EBE29CE8}"/>
+                <a16:creationId xmlns="" xmlns:a16="http://schemas.microsoft.com/office/drawing/2014/main" id="{0A65B4CF-8335-47DF-82A0-1710EBE29CE8}"/>
               </a:ext>
             </a:extLst>
           </p:cNvPr>
@@ -16045,7 +16045,7 @@
             <p:cNvPr id="94" name="직선 연결선 93">
               <a:extLst>
                 <a:ext uri="{FF2B5EF4-FFF2-40B4-BE49-F238E27FC236}">
-                  <a16:creationId xmlns:a16="http://schemas.microsoft.com/office/drawing/2014/main" xmlns="" id="{81D2D2F8-F4B2-4F3C-91FC-731DF7CD49B7}"/>
+                  <a16:creationId xmlns="" xmlns:a16="http://schemas.microsoft.com/office/drawing/2014/main" id="{81D2D2F8-F4B2-4F3C-91FC-731DF7CD49B7}"/>
                 </a:ext>
               </a:extLst>
             </p:cNvPr>
@@ -16087,7 +16087,7 @@
             <p:cNvPr id="95" name="직선 연결선 94">
               <a:extLst>
                 <a:ext uri="{FF2B5EF4-FFF2-40B4-BE49-F238E27FC236}">
-                  <a16:creationId xmlns:a16="http://schemas.microsoft.com/office/drawing/2014/main" xmlns="" id="{8EAC0EA4-873A-461C-BC7F-C04C12FCB894}"/>
+                  <a16:creationId xmlns="" xmlns:a16="http://schemas.microsoft.com/office/drawing/2014/main" id="{8EAC0EA4-873A-461C-BC7F-C04C12FCB894}"/>
                 </a:ext>
               </a:extLst>
             </p:cNvPr>
@@ -16130,7 +16130,7 @@
           <p:cNvPr id="96" name="그룹 95">
             <a:extLst>
               <a:ext uri="{FF2B5EF4-FFF2-40B4-BE49-F238E27FC236}">
-                <a16:creationId xmlns:a16="http://schemas.microsoft.com/office/drawing/2014/main" xmlns="" id="{F200F884-7917-4779-9F79-F384D40F29AA}"/>
+                <a16:creationId xmlns="" xmlns:a16="http://schemas.microsoft.com/office/drawing/2014/main" id="{F200F884-7917-4779-9F79-F384D40F29AA}"/>
               </a:ext>
             </a:extLst>
           </p:cNvPr>
@@ -16150,7 +16150,7 @@
             <p:cNvPr id="97" name="직선 연결선 96">
               <a:extLst>
                 <a:ext uri="{FF2B5EF4-FFF2-40B4-BE49-F238E27FC236}">
-                  <a16:creationId xmlns:a16="http://schemas.microsoft.com/office/drawing/2014/main" xmlns="" id="{43111692-AA9D-4396-9F31-2DD34DE37D1D}"/>
+                  <a16:creationId xmlns="" xmlns:a16="http://schemas.microsoft.com/office/drawing/2014/main" id="{43111692-AA9D-4396-9F31-2DD34DE37D1D}"/>
                 </a:ext>
               </a:extLst>
             </p:cNvPr>
@@ -16192,7 +16192,7 @@
             <p:cNvPr id="98" name="직선 연결선 97">
               <a:extLst>
                 <a:ext uri="{FF2B5EF4-FFF2-40B4-BE49-F238E27FC236}">
-                  <a16:creationId xmlns:a16="http://schemas.microsoft.com/office/drawing/2014/main" xmlns="" id="{91F358F9-3C37-49AF-A654-17CA1768B341}"/>
+                  <a16:creationId xmlns="" xmlns:a16="http://schemas.microsoft.com/office/drawing/2014/main" id="{91F358F9-3C37-49AF-A654-17CA1768B341}"/>
                 </a:ext>
               </a:extLst>
             </p:cNvPr>
@@ -16235,7 +16235,7 @@
           <p:cNvPr id="99" name="직사각형 98">
             <a:extLst>
               <a:ext uri="{FF2B5EF4-FFF2-40B4-BE49-F238E27FC236}">
-                <a16:creationId xmlns:a16="http://schemas.microsoft.com/office/drawing/2014/main" xmlns="" id="{05AF917A-D274-42D0-A3D4-234F5A6E1846}"/>
+                <a16:creationId xmlns="" xmlns:a16="http://schemas.microsoft.com/office/drawing/2014/main" id="{05AF917A-D274-42D0-A3D4-234F5A6E1846}"/>
               </a:ext>
             </a:extLst>
           </p:cNvPr>
@@ -16291,7 +16291,7 @@
           <p:cNvPr id="100" name="직사각형 99">
             <a:extLst>
               <a:ext uri="{FF2B5EF4-FFF2-40B4-BE49-F238E27FC236}">
-                <a16:creationId xmlns:a16="http://schemas.microsoft.com/office/drawing/2014/main" xmlns="" id="{E3EE6F74-3C52-4FDE-844B-DDF5D5CA0E62}"/>
+                <a16:creationId xmlns="" xmlns:a16="http://schemas.microsoft.com/office/drawing/2014/main" id="{E3EE6F74-3C52-4FDE-844B-DDF5D5CA0E62}"/>
               </a:ext>
             </a:extLst>
           </p:cNvPr>
@@ -16347,7 +16347,7 @@
           <p:cNvPr id="101" name="직사각형 100">
             <a:extLst>
               <a:ext uri="{FF2B5EF4-FFF2-40B4-BE49-F238E27FC236}">
-                <a16:creationId xmlns:a16="http://schemas.microsoft.com/office/drawing/2014/main" xmlns="" id="{19E6D6CE-425B-4003-BA14-DC71AD8668F2}"/>
+                <a16:creationId xmlns="" xmlns:a16="http://schemas.microsoft.com/office/drawing/2014/main" id="{19E6D6CE-425B-4003-BA14-DC71AD8668F2}"/>
               </a:ext>
             </a:extLst>
           </p:cNvPr>
@@ -16403,7 +16403,7 @@
           <p:cNvPr id="104" name="Rectangle 4">
             <a:extLst>
               <a:ext uri="{FF2B5EF4-FFF2-40B4-BE49-F238E27FC236}">
-                <a16:creationId xmlns:a16="http://schemas.microsoft.com/office/drawing/2014/main" xmlns="" id="{D5CEC343-005C-4FBF-8B4F-033ED84D6200}"/>
+                <a16:creationId xmlns="" xmlns:a16="http://schemas.microsoft.com/office/drawing/2014/main" id="{D5CEC343-005C-4FBF-8B4F-033ED84D6200}"/>
               </a:ext>
             </a:extLst>
           </p:cNvPr>
@@ -16576,7 +16576,7 @@
           <p:cNvPr id="105" name="직사각형 104">
             <a:extLst>
               <a:ext uri="{FF2B5EF4-FFF2-40B4-BE49-F238E27FC236}">
-                <a16:creationId xmlns:a16="http://schemas.microsoft.com/office/drawing/2014/main" xmlns="" id="{CDD1C3D1-313B-43C3-A83B-5A4B332E399F}"/>
+                <a16:creationId xmlns="" xmlns:a16="http://schemas.microsoft.com/office/drawing/2014/main" id="{CDD1C3D1-313B-43C3-A83B-5A4B332E399F}"/>
               </a:ext>
             </a:extLst>
           </p:cNvPr>
@@ -16626,7 +16626,7 @@
           <p:cNvPr id="106" name="직선 연결선 105">
             <a:extLst>
               <a:ext uri="{FF2B5EF4-FFF2-40B4-BE49-F238E27FC236}">
-                <a16:creationId xmlns:a16="http://schemas.microsoft.com/office/drawing/2014/main" xmlns="" id="{7582ED18-20DA-4DB2-A49F-7EF720F26FDB}"/>
+                <a16:creationId xmlns="" xmlns:a16="http://schemas.microsoft.com/office/drawing/2014/main" id="{7582ED18-20DA-4DB2-A49F-7EF720F26FDB}"/>
               </a:ext>
             </a:extLst>
           </p:cNvPr>
@@ -16673,7 +16673,7 @@
           <p:cNvPr id="107" name="직선 연결선 106">
             <a:extLst>
               <a:ext uri="{FF2B5EF4-FFF2-40B4-BE49-F238E27FC236}">
-                <a16:creationId xmlns:a16="http://schemas.microsoft.com/office/drawing/2014/main" xmlns="" id="{16F7CC03-9628-41C8-A3F6-C4A46F7ECE84}"/>
+                <a16:creationId xmlns="" xmlns:a16="http://schemas.microsoft.com/office/drawing/2014/main" id="{16F7CC03-9628-41C8-A3F6-C4A46F7ECE84}"/>
               </a:ext>
             </a:extLst>
           </p:cNvPr>
@@ -16720,7 +16720,7 @@
           <p:cNvPr id="108" name="직사각형 107">
             <a:extLst>
               <a:ext uri="{FF2B5EF4-FFF2-40B4-BE49-F238E27FC236}">
-                <a16:creationId xmlns:a16="http://schemas.microsoft.com/office/drawing/2014/main" xmlns="" id="{4395AE53-ADED-4277-A626-585F661B7992}"/>
+                <a16:creationId xmlns="" xmlns:a16="http://schemas.microsoft.com/office/drawing/2014/main" id="{4395AE53-ADED-4277-A626-585F661B7992}"/>
               </a:ext>
             </a:extLst>
           </p:cNvPr>
@@ -17074,7 +17074,7 @@
   </p:txStyles>
   <p:extLst mod="1">
     <p:ext uri="{27BBF7A9-308A-43DC-89C8-2F10F3537804}">
-      <p15:sldGuideLst xmlns:p15="http://schemas.microsoft.com/office/powerpoint/2012/main" xmlns="">
+      <p15:sldGuideLst xmlns="" xmlns:p15="http://schemas.microsoft.com/office/powerpoint/2012/main">
         <p15:guide id="1" orient="horz" pos="2160">
           <p15:clr>
             <a:srgbClr val="F26B43"/>
@@ -19822,6 +19822,36 @@
           </a:p>
         </p:txBody>
       </p:sp>
+      <p:sp>
+        <p:nvSpPr>
+          <p:cNvPr id="4" name="TextBox 3"/>
+          <p:cNvSpPr txBox="1"/>
+          <p:nvPr/>
+        </p:nvSpPr>
+        <p:spPr>
+          <a:xfrm>
+            <a:off x="179512" y="116632"/>
+            <a:ext cx="902811" cy="307777"/>
+          </a:xfrm>
+          <a:prstGeom prst="rect">
+            <a:avLst/>
+          </a:prstGeom>
+          <a:noFill/>
+        </p:spPr>
+        <p:txBody>
+          <a:bodyPr wrap="none" rtlCol="0">
+            <a:spAutoFit/>
+          </a:bodyPr>
+          <a:lstStyle/>
+          <a:p>
+            <a:r>
+              <a:rPr lang="ko-KR" altLang="en-US" sz="1400" b="1" dirty="0" smtClean="0"/>
+              <a:t>시나리오</a:t>
+            </a:r>
+            <a:endParaRPr lang="ko-KR" altLang="en-US" sz="1400" b="1" dirty="0" smtClean="0"/>
+          </a:p>
+        </p:txBody>
+      </p:sp>
     </p:spTree>
     <p:extLst>
       <p:ext uri="{BB962C8B-B14F-4D97-AF65-F5344CB8AC3E}">
@@ -20133,11 +20163,6 @@
               </a:rPr>
               <a:t>이미지 정보 추가</a:t>
             </a:r>
-            <a:endParaRPr lang="ko-KR" altLang="en-US" sz="900" dirty="0" smtClean="0">
-              <a:solidFill>
-                <a:srgbClr val="FF0000"/>
-              </a:solidFill>
-            </a:endParaRPr>
           </a:p>
         </p:txBody>
       </p:sp>
@@ -20617,7 +20642,7 @@
   <a:extraClrSchemeLst/>
   <a:extLst>
     <a:ext uri="{05A4C25C-085E-4340-85A3-A5531E510DB2}">
-      <thm15:themeFamily xmlns:thm15="http://schemas.microsoft.com/office/thememl/2012/main" xmlns="" name="Office Theme" id="{62F939B6-93AF-4DB8-9C6B-D6C7DFDC589F}" vid="{4A3C46E8-61CC-4603-A589-7422A47A8E4A}"/>
+      <thm15:themeFamily xmlns="" xmlns:thm15="http://schemas.microsoft.com/office/thememl/2012/main" name="Office Theme" id="{62F939B6-93AF-4DB8-9C6B-D6C7DFDC589F}" vid="{4A3C46E8-61CC-4603-A589-7422A47A8E4A}"/>
     </a:ext>
   </a:extLst>
 </a:theme>
@@ -21729,7 +21754,7 @@
   <a:extraClrSchemeLst/>
   <a:extLst>
     <a:ext uri="{05A4C25C-085E-4340-85A3-A5531E510DB2}">
-      <thm15:themeFamily xmlns:thm15="http://schemas.microsoft.com/office/thememl/2012/main" xmlns="" name="Office Theme" id="{62F939B6-93AF-4DB8-9C6B-D6C7DFDC589F}" vid="{4A3C46E8-61CC-4603-A589-7422A47A8E4A}"/>
+      <thm15:themeFamily xmlns="" xmlns:thm15="http://schemas.microsoft.com/office/thememl/2012/main" name="Office Theme" id="{62F939B6-93AF-4DB8-9C6B-D6C7DFDC589F}" vid="{4A3C46E8-61CC-4603-A589-7422A47A8E4A}"/>
     </a:ext>
   </a:extLst>
 </a:theme>
